--- a/diagrams/Diagrams.pptx
+++ b/diagrams/Diagrams.pptx
@@ -8491,7 +8491,7 @@
                   <a:schemeClr val="tx1"/>
                 </a:solidFill>
               </a:rPr>
-              <a:t>Send to Client</a:t>
+              <a:t>Send Data to Client</a:t>
             </a:r>
           </a:p>
         </p:txBody>
@@ -9415,7 +9415,7 @@
                   <a:schemeClr val="tx1"/>
                 </a:solidFill>
               </a:rPr>
-              <a:t>Send Status to Frontend</a:t>
+              <a:t>Send Status to Client</a:t>
             </a:r>
           </a:p>
         </p:txBody>

--- a/diagrams/Diagrams.pptx
+++ b/diagrams/Diagrams.pptx
@@ -107,15 +107,257 @@
       </a:defRPr>
     </a:lvl9pPr>
   </p:defaultTextStyle>
+  <p:extLst>
+    <p:ext uri="{EFAFB233-063F-42B5-8137-9DF3F51BA10A}">
+      <p15:sldGuideLst xmlns:p15="http://schemas.microsoft.com/office/powerpoint/2012/main"/>
+    </p:ext>
+  </p:extLst>
 </p:presentation>
 </file>
 
 <file path=ppt/revisionInfo.xml><?xml version="1.0" encoding="utf-8"?>
 <p1510:revInfo xmlns:a="http://schemas.openxmlformats.org/drawingml/2006/main" xmlns:r="http://schemas.openxmlformats.org/officeDocument/2006/relationships" xmlns:p1510="http://schemas.microsoft.com/office/powerpoint/2015/10/main">
   <p1510:revLst>
-    <p1510:client id="{102844A4-5376-B44F-AC39-056E7FAFDA55}" v="96" dt="2024-02-18T23:36:26.485"/>
+    <p1510:client id="{3B50D52C-BE19-2C48-BFEF-D0014175D0DA}" v="5" dt="2024-02-27T00:19:46.892"/>
   </p1510:revLst>
 </p1510:revInfo>
+</file>
+
+<file path=ppt/changesInfos/changesInfo1.xml><?xml version="1.0" encoding="utf-8"?>
+<pc:chgInfo xmlns:a="http://schemas.openxmlformats.org/drawingml/2006/main" xmlns:r="http://schemas.openxmlformats.org/officeDocument/2006/relationships" xmlns:ac="http://schemas.microsoft.com/office/drawing/2013/main/command" xmlns:pc="http://schemas.microsoft.com/office/powerpoint/2013/main/command">
+  <pc:docChgLst>
+    <pc:chgData name="David Viggiano" userId="c7a197fbcb7db713" providerId="LiveId" clId="{3B50D52C-BE19-2C48-BFEF-D0014175D0DA}"/>
+    <pc:docChg chg="custSel modSld">
+      <pc:chgData name="David Viggiano" userId="c7a197fbcb7db713" providerId="LiveId" clId="{3B50D52C-BE19-2C48-BFEF-D0014175D0DA}" dt="2024-02-27T00:19:46.892" v="362" actId="5736"/>
+      <pc:docMkLst>
+        <pc:docMk/>
+      </pc:docMkLst>
+      <pc:sldChg chg="addSp modSp mod">
+        <pc:chgData name="David Viggiano" userId="c7a197fbcb7db713" providerId="LiveId" clId="{3B50D52C-BE19-2C48-BFEF-D0014175D0DA}" dt="2024-02-27T00:19:46.892" v="362" actId="5736"/>
+        <pc:sldMkLst>
+          <pc:docMk/>
+          <pc:sldMk cId="2957575420" sldId="258"/>
+        </pc:sldMkLst>
+        <pc:spChg chg="add mod">
+          <ac:chgData name="David Viggiano" userId="c7a197fbcb7db713" providerId="LiveId" clId="{3B50D52C-BE19-2C48-BFEF-D0014175D0DA}" dt="2024-02-27T00:19:46.892" v="362" actId="5736"/>
+          <ac:spMkLst>
+            <pc:docMk/>
+            <pc:sldMk cId="2957575420" sldId="258"/>
+            <ac:spMk id="3" creationId="{62C1D9D1-9F7C-C920-FB5B-3F4FB880424F}"/>
+          </ac:spMkLst>
+        </pc:spChg>
+        <pc:spChg chg="add mod">
+          <ac:chgData name="David Viggiano" userId="c7a197fbcb7db713" providerId="LiveId" clId="{3B50D52C-BE19-2C48-BFEF-D0014175D0DA}" dt="2024-02-27T00:19:46.892" v="362" actId="5736"/>
+          <ac:spMkLst>
+            <pc:docMk/>
+            <pc:sldMk cId="2957575420" sldId="258"/>
+            <ac:spMk id="4" creationId="{929D0A62-42ED-4FC3-5D6B-5A07B754F38D}"/>
+          </ac:spMkLst>
+        </pc:spChg>
+        <pc:spChg chg="add mod">
+          <ac:chgData name="David Viggiano" userId="c7a197fbcb7db713" providerId="LiveId" clId="{3B50D52C-BE19-2C48-BFEF-D0014175D0DA}" dt="2024-02-27T00:19:46.892" v="362" actId="5736"/>
+          <ac:spMkLst>
+            <pc:docMk/>
+            <pc:sldMk cId="2957575420" sldId="258"/>
+            <ac:spMk id="5" creationId="{583DE199-0D1C-861F-D9AD-A5D4BB29FB7A}"/>
+          </ac:spMkLst>
+        </pc:spChg>
+        <pc:spChg chg="add mod">
+          <ac:chgData name="David Viggiano" userId="c7a197fbcb7db713" providerId="LiveId" clId="{3B50D52C-BE19-2C48-BFEF-D0014175D0DA}" dt="2024-02-27T00:19:46.892" v="362" actId="5736"/>
+          <ac:spMkLst>
+            <pc:docMk/>
+            <pc:sldMk cId="2957575420" sldId="258"/>
+            <ac:spMk id="8" creationId="{82B8B766-7409-FCE8-3A9D-362FA5972229}"/>
+          </ac:spMkLst>
+        </pc:spChg>
+        <pc:spChg chg="add mod">
+          <ac:chgData name="David Viggiano" userId="c7a197fbcb7db713" providerId="LiveId" clId="{3B50D52C-BE19-2C48-BFEF-D0014175D0DA}" dt="2024-02-27T00:19:46.892" v="362" actId="5736"/>
+          <ac:spMkLst>
+            <pc:docMk/>
+            <pc:sldMk cId="2957575420" sldId="258"/>
+            <ac:spMk id="14" creationId="{DC62A4FE-13AF-47CC-01E1-449EF2F580E5}"/>
+          </ac:spMkLst>
+        </pc:spChg>
+        <pc:spChg chg="mod">
+          <ac:chgData name="David Viggiano" userId="c7a197fbcb7db713" providerId="LiveId" clId="{3B50D52C-BE19-2C48-BFEF-D0014175D0DA}" dt="2024-02-27T00:19:46.892" v="362" actId="5736"/>
+          <ac:spMkLst>
+            <pc:docMk/>
+            <pc:sldMk cId="2957575420" sldId="258"/>
+            <ac:spMk id="25" creationId="{E22C3409-081C-7FC7-5799-9CAAB638E7AF}"/>
+          </ac:spMkLst>
+        </pc:spChg>
+        <pc:spChg chg="mod">
+          <ac:chgData name="David Viggiano" userId="c7a197fbcb7db713" providerId="LiveId" clId="{3B50D52C-BE19-2C48-BFEF-D0014175D0DA}" dt="2024-02-27T00:19:46.892" v="362" actId="5736"/>
+          <ac:spMkLst>
+            <pc:docMk/>
+            <pc:sldMk cId="2957575420" sldId="258"/>
+            <ac:spMk id="26" creationId="{398AF16E-2C35-D555-C46F-DE82E5A658A5}"/>
+          </ac:spMkLst>
+        </pc:spChg>
+        <pc:spChg chg="mod">
+          <ac:chgData name="David Viggiano" userId="c7a197fbcb7db713" providerId="LiveId" clId="{3B50D52C-BE19-2C48-BFEF-D0014175D0DA}" dt="2024-02-27T00:19:46.892" v="362" actId="5736"/>
+          <ac:spMkLst>
+            <pc:docMk/>
+            <pc:sldMk cId="2957575420" sldId="258"/>
+            <ac:spMk id="27" creationId="{D4DE427D-019A-1F64-4A35-7A28156B5C4A}"/>
+          </ac:spMkLst>
+        </pc:spChg>
+        <pc:spChg chg="mod">
+          <ac:chgData name="David Viggiano" userId="c7a197fbcb7db713" providerId="LiveId" clId="{3B50D52C-BE19-2C48-BFEF-D0014175D0DA}" dt="2024-02-27T00:19:46.892" v="362" actId="5736"/>
+          <ac:spMkLst>
+            <pc:docMk/>
+            <pc:sldMk cId="2957575420" sldId="258"/>
+            <ac:spMk id="29" creationId="{E89A8BA9-AA35-7878-9120-D1876D31EF40}"/>
+          </ac:spMkLst>
+        </pc:spChg>
+        <pc:spChg chg="mod">
+          <ac:chgData name="David Viggiano" userId="c7a197fbcb7db713" providerId="LiveId" clId="{3B50D52C-BE19-2C48-BFEF-D0014175D0DA}" dt="2024-02-27T00:19:46.892" v="362" actId="5736"/>
+          <ac:spMkLst>
+            <pc:docMk/>
+            <pc:sldMk cId="2957575420" sldId="258"/>
+            <ac:spMk id="30" creationId="{41B7CF3D-5A0B-C152-B482-7CF177CF773D}"/>
+          </ac:spMkLst>
+        </pc:spChg>
+        <pc:spChg chg="mod">
+          <ac:chgData name="David Viggiano" userId="c7a197fbcb7db713" providerId="LiveId" clId="{3B50D52C-BE19-2C48-BFEF-D0014175D0DA}" dt="2024-02-27T00:19:46.892" v="362" actId="5736"/>
+          <ac:spMkLst>
+            <pc:docMk/>
+            <pc:sldMk cId="2957575420" sldId="258"/>
+            <ac:spMk id="31" creationId="{076BBD0B-4CE5-B57A-3B98-2604B32D89A5}"/>
+          </ac:spMkLst>
+        </pc:spChg>
+        <pc:spChg chg="mod">
+          <ac:chgData name="David Viggiano" userId="c7a197fbcb7db713" providerId="LiveId" clId="{3B50D52C-BE19-2C48-BFEF-D0014175D0DA}" dt="2024-02-27T00:19:46.892" v="362" actId="5736"/>
+          <ac:spMkLst>
+            <pc:docMk/>
+            <pc:sldMk cId="2957575420" sldId="258"/>
+            <ac:spMk id="38" creationId="{9DCF1CAB-53D4-6797-F7BC-43B9115DD7B2}"/>
+          </ac:spMkLst>
+        </pc:spChg>
+        <pc:spChg chg="mod">
+          <ac:chgData name="David Viggiano" userId="c7a197fbcb7db713" providerId="LiveId" clId="{3B50D52C-BE19-2C48-BFEF-D0014175D0DA}" dt="2024-02-27T00:19:46.892" v="362" actId="5736"/>
+          <ac:spMkLst>
+            <pc:docMk/>
+            <pc:sldMk cId="2957575420" sldId="258"/>
+            <ac:spMk id="39" creationId="{A1DDBDB8-BC66-261F-3021-188588EF8CC1}"/>
+          </ac:spMkLst>
+        </pc:spChg>
+        <pc:graphicFrameChg chg="add mod modGraphic">
+          <ac:chgData name="David Viggiano" userId="c7a197fbcb7db713" providerId="LiveId" clId="{3B50D52C-BE19-2C48-BFEF-D0014175D0DA}" dt="2024-02-27T00:19:46.892" v="362" actId="5736"/>
+          <ac:graphicFrameMkLst>
+            <pc:docMk/>
+            <pc:sldMk cId="2957575420" sldId="258"/>
+            <ac:graphicFrameMk id="9" creationId="{F8B2FBF1-972B-084B-AE18-6DA445A7951D}"/>
+          </ac:graphicFrameMkLst>
+        </pc:graphicFrameChg>
+        <pc:graphicFrameChg chg="mod">
+          <ac:chgData name="David Viggiano" userId="c7a197fbcb7db713" providerId="LiveId" clId="{3B50D52C-BE19-2C48-BFEF-D0014175D0DA}" dt="2024-02-27T00:19:46.892" v="362" actId="5736"/>
+          <ac:graphicFrameMkLst>
+            <pc:docMk/>
+            <pc:sldMk cId="2957575420" sldId="258"/>
+            <ac:graphicFrameMk id="10" creationId="{F57F1187-76BB-9694-0B29-EB7B51431FAE}"/>
+          </ac:graphicFrameMkLst>
+        </pc:graphicFrameChg>
+        <pc:graphicFrameChg chg="mod">
+          <ac:chgData name="David Viggiano" userId="c7a197fbcb7db713" providerId="LiveId" clId="{3B50D52C-BE19-2C48-BFEF-D0014175D0DA}" dt="2024-02-27T00:19:46.892" v="362" actId="5736"/>
+          <ac:graphicFrameMkLst>
+            <pc:docMk/>
+            <pc:sldMk cId="2957575420" sldId="258"/>
+            <ac:graphicFrameMk id="11" creationId="{1EA41E94-E4F5-6312-BE6B-44E288DFEDB8}"/>
+          </ac:graphicFrameMkLst>
+        </pc:graphicFrameChg>
+        <pc:graphicFrameChg chg="add mod modGraphic">
+          <ac:chgData name="David Viggiano" userId="c7a197fbcb7db713" providerId="LiveId" clId="{3B50D52C-BE19-2C48-BFEF-D0014175D0DA}" dt="2024-02-27T00:19:46.892" v="362" actId="5736"/>
+          <ac:graphicFrameMkLst>
+            <pc:docMk/>
+            <pc:sldMk cId="2957575420" sldId="258"/>
+            <ac:graphicFrameMk id="12" creationId="{525E2EF3-E92C-C181-F929-A291932E7DF5}"/>
+          </ac:graphicFrameMkLst>
+        </pc:graphicFrameChg>
+        <pc:graphicFrameChg chg="mod">
+          <ac:chgData name="David Viggiano" userId="c7a197fbcb7db713" providerId="LiveId" clId="{3B50D52C-BE19-2C48-BFEF-D0014175D0DA}" dt="2024-02-27T00:19:46.892" v="362" actId="5736"/>
+          <ac:graphicFrameMkLst>
+            <pc:docMk/>
+            <pc:sldMk cId="2957575420" sldId="258"/>
+            <ac:graphicFrameMk id="13" creationId="{92CB0C48-D7A9-88F3-8739-D12F658FA243}"/>
+          </ac:graphicFrameMkLst>
+        </pc:graphicFrameChg>
+        <pc:cxnChg chg="add mod">
+          <ac:chgData name="David Viggiano" userId="c7a197fbcb7db713" providerId="LiveId" clId="{3B50D52C-BE19-2C48-BFEF-D0014175D0DA}" dt="2024-02-27T00:19:46.892" v="362" actId="5736"/>
+          <ac:cxnSpMkLst>
+            <pc:docMk/>
+            <pc:sldMk cId="2957575420" sldId="258"/>
+            <ac:cxnSpMk id="2" creationId="{CB227453-82A5-3C82-ECA5-71A391EC907A}"/>
+          </ac:cxnSpMkLst>
+        </pc:cxnChg>
+        <pc:cxnChg chg="add mod">
+          <ac:chgData name="David Viggiano" userId="c7a197fbcb7db713" providerId="LiveId" clId="{3B50D52C-BE19-2C48-BFEF-D0014175D0DA}" dt="2024-02-27T00:19:46.892" v="362" actId="5736"/>
+          <ac:cxnSpMkLst>
+            <pc:docMk/>
+            <pc:sldMk cId="2957575420" sldId="258"/>
+            <ac:cxnSpMk id="6" creationId="{CD3E22B7-9B31-3384-3DF7-873BF92BEF4F}"/>
+          </ac:cxnSpMkLst>
+        </pc:cxnChg>
+        <pc:cxnChg chg="add mod">
+          <ac:chgData name="David Viggiano" userId="c7a197fbcb7db713" providerId="LiveId" clId="{3B50D52C-BE19-2C48-BFEF-D0014175D0DA}" dt="2024-02-27T00:19:46.892" v="362" actId="5736"/>
+          <ac:cxnSpMkLst>
+            <pc:docMk/>
+            <pc:sldMk cId="2957575420" sldId="258"/>
+            <ac:cxnSpMk id="7" creationId="{4E099013-81C5-42BF-520D-D04FA97A88DA}"/>
+          </ac:cxnSpMkLst>
+        </pc:cxnChg>
+        <pc:cxnChg chg="mod">
+          <ac:chgData name="David Viggiano" userId="c7a197fbcb7db713" providerId="LiveId" clId="{3B50D52C-BE19-2C48-BFEF-D0014175D0DA}" dt="2024-02-27T00:19:46.892" v="362" actId="5736"/>
+          <ac:cxnSpMkLst>
+            <pc:docMk/>
+            <pc:sldMk cId="2957575420" sldId="258"/>
+            <ac:cxnSpMk id="15" creationId="{09C6FBDA-5EAF-605F-5549-3A3B947171BC}"/>
+          </ac:cxnSpMkLst>
+        </pc:cxnChg>
+        <pc:cxnChg chg="mod">
+          <ac:chgData name="David Viggiano" userId="c7a197fbcb7db713" providerId="LiveId" clId="{3B50D52C-BE19-2C48-BFEF-D0014175D0DA}" dt="2024-02-27T00:19:46.892" v="362" actId="5736"/>
+          <ac:cxnSpMkLst>
+            <pc:docMk/>
+            <pc:sldMk cId="2957575420" sldId="258"/>
+            <ac:cxnSpMk id="18" creationId="{320BC475-0610-2ABE-5784-409A8C5EF565}"/>
+          </ac:cxnSpMkLst>
+        </pc:cxnChg>
+        <pc:cxnChg chg="mod">
+          <ac:chgData name="David Viggiano" userId="c7a197fbcb7db713" providerId="LiveId" clId="{3B50D52C-BE19-2C48-BFEF-D0014175D0DA}" dt="2024-02-27T00:19:46.892" v="362" actId="5736"/>
+          <ac:cxnSpMkLst>
+            <pc:docMk/>
+            <pc:sldMk cId="2957575420" sldId="258"/>
+            <ac:cxnSpMk id="22" creationId="{047BC7DF-6655-92AA-B7A0-6C1BBC5E8BDD}"/>
+          </ac:cxnSpMkLst>
+        </pc:cxnChg>
+        <pc:cxnChg chg="mod">
+          <ac:chgData name="David Viggiano" userId="c7a197fbcb7db713" providerId="LiveId" clId="{3B50D52C-BE19-2C48-BFEF-D0014175D0DA}" dt="2024-02-27T00:19:46.892" v="362" actId="5736"/>
+          <ac:cxnSpMkLst>
+            <pc:docMk/>
+            <pc:sldMk cId="2957575420" sldId="258"/>
+            <ac:cxnSpMk id="24" creationId="{F28C6922-C3FA-7529-3C64-0401D9DBBF62}"/>
+          </ac:cxnSpMkLst>
+        </pc:cxnChg>
+        <pc:cxnChg chg="mod">
+          <ac:chgData name="David Viggiano" userId="c7a197fbcb7db713" providerId="LiveId" clId="{3B50D52C-BE19-2C48-BFEF-D0014175D0DA}" dt="2024-02-27T00:19:46.892" v="362" actId="5736"/>
+          <ac:cxnSpMkLst>
+            <pc:docMk/>
+            <pc:sldMk cId="2957575420" sldId="258"/>
+            <ac:cxnSpMk id="33" creationId="{0485780C-B654-0CF2-E6C7-4F9F4BF63DB3}"/>
+          </ac:cxnSpMkLst>
+        </pc:cxnChg>
+        <pc:cxnChg chg="mod">
+          <ac:chgData name="David Viggiano" userId="c7a197fbcb7db713" providerId="LiveId" clId="{3B50D52C-BE19-2C48-BFEF-D0014175D0DA}" dt="2024-02-27T00:19:46.892" v="362" actId="5736"/>
+          <ac:cxnSpMkLst>
+            <pc:docMk/>
+            <pc:sldMk cId="2957575420" sldId="258"/>
+            <ac:cxnSpMk id="37" creationId="{6C0466C8-6B38-825C-3530-EE62C3754A4C}"/>
+          </ac:cxnSpMkLst>
+        </pc:cxnChg>
+      </pc:sldChg>
+    </pc:docChg>
+  </pc:docChgLst>
+</pc:chgInfo>
 </file>
 
 <file path=ppt/slideLayouts/slideLayout1.xml><?xml version="1.0" encoding="utf-8"?>
@@ -265,7 +507,7 @@
           <a:p>
             <a:fld id="{19677C02-9FA9-F74D-89C2-FBA48B1B8578}" type="datetimeFigureOut">
               <a:rPr lang="en-US" smtClean="0"/>
-              <a:t>2/18/24</a:t>
+              <a:t>2/26/24</a:t>
             </a:fld>
             <a:endParaRPr lang="en-US"/>
           </a:p>
@@ -463,7 +705,7 @@
           <a:p>
             <a:fld id="{19677C02-9FA9-F74D-89C2-FBA48B1B8578}" type="datetimeFigureOut">
               <a:rPr lang="en-US" smtClean="0"/>
-              <a:t>2/18/24</a:t>
+              <a:t>2/26/24</a:t>
             </a:fld>
             <a:endParaRPr lang="en-US"/>
           </a:p>
@@ -671,7 +913,7 @@
           <a:p>
             <a:fld id="{19677C02-9FA9-F74D-89C2-FBA48B1B8578}" type="datetimeFigureOut">
               <a:rPr lang="en-US" smtClean="0"/>
-              <a:t>2/18/24</a:t>
+              <a:t>2/26/24</a:t>
             </a:fld>
             <a:endParaRPr lang="en-US"/>
           </a:p>
@@ -869,7 +1111,7 @@
           <a:p>
             <a:fld id="{19677C02-9FA9-F74D-89C2-FBA48B1B8578}" type="datetimeFigureOut">
               <a:rPr lang="en-US" smtClean="0"/>
-              <a:t>2/18/24</a:t>
+              <a:t>2/26/24</a:t>
             </a:fld>
             <a:endParaRPr lang="en-US"/>
           </a:p>
@@ -1144,7 +1386,7 @@
           <a:p>
             <a:fld id="{19677C02-9FA9-F74D-89C2-FBA48B1B8578}" type="datetimeFigureOut">
               <a:rPr lang="en-US" smtClean="0"/>
-              <a:t>2/18/24</a:t>
+              <a:t>2/26/24</a:t>
             </a:fld>
             <a:endParaRPr lang="en-US"/>
           </a:p>
@@ -1409,7 +1651,7 @@
           <a:p>
             <a:fld id="{19677C02-9FA9-F74D-89C2-FBA48B1B8578}" type="datetimeFigureOut">
               <a:rPr lang="en-US" smtClean="0"/>
-              <a:t>2/18/24</a:t>
+              <a:t>2/26/24</a:t>
             </a:fld>
             <a:endParaRPr lang="en-US"/>
           </a:p>
@@ -1821,7 +2063,7 @@
           <a:p>
             <a:fld id="{19677C02-9FA9-F74D-89C2-FBA48B1B8578}" type="datetimeFigureOut">
               <a:rPr lang="en-US" smtClean="0"/>
-              <a:t>2/18/24</a:t>
+              <a:t>2/26/24</a:t>
             </a:fld>
             <a:endParaRPr lang="en-US"/>
           </a:p>
@@ -1962,7 +2204,7 @@
           <a:p>
             <a:fld id="{19677C02-9FA9-F74D-89C2-FBA48B1B8578}" type="datetimeFigureOut">
               <a:rPr lang="en-US" smtClean="0"/>
-              <a:t>2/18/24</a:t>
+              <a:t>2/26/24</a:t>
             </a:fld>
             <a:endParaRPr lang="en-US"/>
           </a:p>
@@ -2075,7 +2317,7 @@
           <a:p>
             <a:fld id="{19677C02-9FA9-F74D-89C2-FBA48B1B8578}" type="datetimeFigureOut">
               <a:rPr lang="en-US" smtClean="0"/>
-              <a:t>2/18/24</a:t>
+              <a:t>2/26/24</a:t>
             </a:fld>
             <a:endParaRPr lang="en-US"/>
           </a:p>
@@ -2386,7 +2628,7 @@
           <a:p>
             <a:fld id="{19677C02-9FA9-F74D-89C2-FBA48B1B8578}" type="datetimeFigureOut">
               <a:rPr lang="en-US" smtClean="0"/>
-              <a:t>2/18/24</a:t>
+              <a:t>2/26/24</a:t>
             </a:fld>
             <a:endParaRPr lang="en-US"/>
           </a:p>
@@ -2674,7 +2916,7 @@
           <a:p>
             <a:fld id="{19677C02-9FA9-F74D-89C2-FBA48B1B8578}" type="datetimeFigureOut">
               <a:rPr lang="en-US" smtClean="0"/>
-              <a:t>2/18/24</a:t>
+              <a:t>2/26/24</a:t>
             </a:fld>
             <a:endParaRPr lang="en-US"/>
           </a:p>
@@ -2915,7 +3157,7 @@
           <a:p>
             <a:fld id="{19677C02-9FA9-F74D-89C2-FBA48B1B8578}" type="datetimeFigureOut">
               <a:rPr lang="en-US" smtClean="0"/>
-              <a:t>2/18/24</a:t>
+              <a:t>2/26/24</a:t>
             </a:fld>
             <a:endParaRPr lang="en-US"/>
           </a:p>
@@ -4910,7 +5152,7 @@
           <p:nvPr>
             <p:extLst>
               <p:ext uri="{D42A27DB-BD31-4B8C-83A1-F6EECF244321}">
-                <p14:modId xmlns:p14="http://schemas.microsoft.com/office/powerpoint/2010/main" val="250297781"/>
+                <p14:modId xmlns:p14="http://schemas.microsoft.com/office/powerpoint/2010/main" val="1174440897"/>
               </p:ext>
             </p:extLst>
           </p:nvPr>
@@ -5597,7 +5839,7 @@
           <p:nvPr>
             <p:extLst>
               <p:ext uri="{D42A27DB-BD31-4B8C-83A1-F6EECF244321}">
-                <p14:modId xmlns:p14="http://schemas.microsoft.com/office/powerpoint/2010/main" val="488359756"/>
+                <p14:modId xmlns:p14="http://schemas.microsoft.com/office/powerpoint/2010/main" val="532772517"/>
               </p:ext>
             </p:extLst>
           </p:nvPr>
@@ -6839,13 +7081,13 @@
           <p:nvPr>
             <p:extLst>
               <p:ext uri="{D42A27DB-BD31-4B8C-83A1-F6EECF244321}">
-                <p14:modId xmlns:p14="http://schemas.microsoft.com/office/powerpoint/2010/main" val="366117462"/>
+                <p14:modId xmlns:p14="http://schemas.microsoft.com/office/powerpoint/2010/main" val="1699734346"/>
               </p:ext>
             </p:extLst>
           </p:nvPr>
         </p:nvGraphicFramePr>
         <p:xfrm>
-          <a:off x="7567480" y="1207346"/>
+          <a:off x="7567480" y="482131"/>
           <a:ext cx="4536966" cy="1112520"/>
         </p:xfrm>
         <a:graphic>
@@ -7401,14 +7643,13 @@
           </p:cNvPr>
           <p:cNvCxnSpPr>
             <a:cxnSpLocks/>
-            <a:stCxn id="11" idx="3"/>
             <a:endCxn id="13" idx="1"/>
           </p:cNvCxnSpPr>
           <p:nvPr/>
         </p:nvCxnSpPr>
         <p:spPr>
           <a:xfrm>
-            <a:off x="5579974" y="1763606"/>
+            <a:off x="5579974" y="1038391"/>
             <a:ext cx="1987506" cy="0"/>
           </a:xfrm>
           <a:prstGeom prst="line">
@@ -7707,7 +7948,7 @@
         </p:nvSpPr>
         <p:spPr>
           <a:xfrm rot="16200000" flipH="1">
-            <a:off x="7346411" y="1429174"/>
+            <a:off x="7346411" y="703959"/>
             <a:ext cx="454399" cy="711200"/>
           </a:xfrm>
           <a:prstGeom prst="arc">
@@ -7759,7 +8000,7 @@
         </p:nvSpPr>
         <p:spPr>
           <a:xfrm rot="16200000">
-            <a:off x="7336251" y="1419014"/>
+            <a:off x="7336251" y="693799"/>
             <a:ext cx="454399" cy="711200"/>
           </a:xfrm>
           <a:prstGeom prst="arc">
@@ -7811,7 +8052,7 @@
         </p:nvSpPr>
         <p:spPr>
           <a:xfrm rot="5400000">
-            <a:off x="6888687" y="1662006"/>
+            <a:off x="6888687" y="936791"/>
             <a:ext cx="203200" cy="203200"/>
           </a:xfrm>
           <a:prstGeom prst="ellipse">
@@ -7872,7 +8113,7 @@
         </p:nvCxnSpPr>
         <p:spPr>
           <a:xfrm>
-            <a:off x="5657048" y="1576494"/>
+            <a:off x="5657048" y="851279"/>
             <a:ext cx="0" cy="333586"/>
           </a:xfrm>
           <a:prstGeom prst="line">
@@ -7918,7 +8159,7 @@
         </p:nvCxnSpPr>
         <p:spPr>
           <a:xfrm>
-            <a:off x="5768808" y="1586654"/>
+            <a:off x="5768808" y="861439"/>
             <a:ext cx="0" cy="333586"/>
           </a:xfrm>
           <a:prstGeom prst="line">
@@ -8023,7 +8264,7 @@
         </p:nvSpPr>
         <p:spPr>
           <a:xfrm rot="16200000">
-            <a:off x="5162715" y="1557574"/>
+            <a:off x="5162715" y="832359"/>
             <a:ext cx="2433316" cy="454400"/>
           </a:xfrm>
           <a:prstGeom prst="rect">
@@ -8066,6 +8307,1477 @@
                 </a:solidFill>
               </a:rPr>
               <a:t>default playback with</a:t>
+            </a:r>
+          </a:p>
+        </p:txBody>
+      </p:sp>
+      <p:cxnSp>
+        <p:nvCxnSpPr>
+          <p:cNvPr id="2" name="Straight Connector 1">
+            <a:extLst>
+              <a:ext uri="{FF2B5EF4-FFF2-40B4-BE49-F238E27FC236}">
+                <a16:creationId xmlns:a16="http://schemas.microsoft.com/office/drawing/2014/main" id="{CB227453-82A5-3C82-ECA5-71A391EC907A}"/>
+              </a:ext>
+            </a:extLst>
+          </p:cNvPr>
+          <p:cNvCxnSpPr>
+            <a:cxnSpLocks/>
+          </p:cNvCxnSpPr>
+          <p:nvPr/>
+        </p:nvCxnSpPr>
+        <p:spPr>
+          <a:xfrm>
+            <a:off x="6559803" y="5397319"/>
+            <a:ext cx="1987506" cy="0"/>
+          </a:xfrm>
+          <a:prstGeom prst="line">
+            <a:avLst/>
+          </a:prstGeom>
+          <a:ln>
+            <a:solidFill>
+              <a:schemeClr val="tx1">
+                <a:lumMod val="65000"/>
+                <a:lumOff val="35000"/>
+              </a:schemeClr>
+            </a:solidFill>
+          </a:ln>
+        </p:spPr>
+        <p:style>
+          <a:lnRef idx="1">
+            <a:schemeClr val="accent1"/>
+          </a:lnRef>
+          <a:fillRef idx="0">
+            <a:schemeClr val="accent1"/>
+          </a:fillRef>
+          <a:effectRef idx="0">
+            <a:schemeClr val="accent1"/>
+          </a:effectRef>
+          <a:fontRef idx="minor">
+            <a:schemeClr val="tx1"/>
+          </a:fontRef>
+        </p:style>
+      </p:cxnSp>
+      <p:sp>
+        <p:nvSpPr>
+          <p:cNvPr id="3" name="Arc 2">
+            <a:extLst>
+              <a:ext uri="{FF2B5EF4-FFF2-40B4-BE49-F238E27FC236}">
+                <a16:creationId xmlns:a16="http://schemas.microsoft.com/office/drawing/2014/main" id="{62C1D9D1-9F7C-C920-FB5B-3F4FB880424F}"/>
+              </a:ext>
+            </a:extLst>
+          </p:cNvPr>
+          <p:cNvSpPr/>
+          <p:nvPr/>
+        </p:nvSpPr>
+        <p:spPr>
+          <a:xfrm rot="5400000">
+            <a:off x="6305100" y="5060947"/>
+            <a:ext cx="454399" cy="711200"/>
+          </a:xfrm>
+          <a:prstGeom prst="arc">
+            <a:avLst/>
+          </a:prstGeom>
+          <a:ln>
+            <a:solidFill>
+              <a:schemeClr val="tx1">
+                <a:lumMod val="65000"/>
+                <a:lumOff val="35000"/>
+              </a:schemeClr>
+            </a:solidFill>
+          </a:ln>
+        </p:spPr>
+        <p:style>
+          <a:lnRef idx="1">
+            <a:schemeClr val="accent1"/>
+          </a:lnRef>
+          <a:fillRef idx="0">
+            <a:schemeClr val="accent1"/>
+          </a:fillRef>
+          <a:effectRef idx="0">
+            <a:schemeClr val="accent1"/>
+          </a:effectRef>
+          <a:fontRef idx="minor">
+            <a:schemeClr val="tx1"/>
+          </a:fontRef>
+        </p:style>
+        <p:txBody>
+          <a:bodyPr rtlCol="0" anchor="ctr"/>
+          <a:lstStyle/>
+          <a:p>
+            <a:pPr algn="ctr"/>
+            <a:endParaRPr lang="en-US"/>
+          </a:p>
+        </p:txBody>
+      </p:sp>
+      <p:sp>
+        <p:nvSpPr>
+          <p:cNvPr id="4" name="Arc 3">
+            <a:extLst>
+              <a:ext uri="{FF2B5EF4-FFF2-40B4-BE49-F238E27FC236}">
+                <a16:creationId xmlns:a16="http://schemas.microsoft.com/office/drawing/2014/main" id="{929D0A62-42ED-4FC3-5D6B-5A07B754F38D}"/>
+              </a:ext>
+            </a:extLst>
+          </p:cNvPr>
+          <p:cNvSpPr/>
+          <p:nvPr/>
+        </p:nvSpPr>
+        <p:spPr>
+          <a:xfrm rot="5400000" flipH="1">
+            <a:off x="6294940" y="5050787"/>
+            <a:ext cx="454399" cy="711200"/>
+          </a:xfrm>
+          <a:prstGeom prst="arc">
+            <a:avLst/>
+          </a:prstGeom>
+          <a:ln>
+            <a:solidFill>
+              <a:schemeClr val="tx1">
+                <a:lumMod val="65000"/>
+                <a:lumOff val="35000"/>
+              </a:schemeClr>
+            </a:solidFill>
+          </a:ln>
+        </p:spPr>
+        <p:style>
+          <a:lnRef idx="1">
+            <a:schemeClr val="accent1"/>
+          </a:lnRef>
+          <a:fillRef idx="0">
+            <a:schemeClr val="accent1"/>
+          </a:fillRef>
+          <a:effectRef idx="0">
+            <a:schemeClr val="accent1"/>
+          </a:effectRef>
+          <a:fontRef idx="minor">
+            <a:schemeClr val="tx1"/>
+          </a:fontRef>
+        </p:style>
+        <p:txBody>
+          <a:bodyPr rtlCol="0" anchor="ctr"/>
+          <a:lstStyle/>
+          <a:p>
+            <a:pPr algn="ctr"/>
+            <a:endParaRPr lang="en-US"/>
+          </a:p>
+        </p:txBody>
+      </p:sp>
+      <p:sp>
+        <p:nvSpPr>
+          <p:cNvPr id="5" name="Oval 4">
+            <a:extLst>
+              <a:ext uri="{FF2B5EF4-FFF2-40B4-BE49-F238E27FC236}">
+                <a16:creationId xmlns:a16="http://schemas.microsoft.com/office/drawing/2014/main" id="{583DE199-0D1C-861F-D9AD-A5D4BB29FB7A}"/>
+              </a:ext>
+            </a:extLst>
+          </p:cNvPr>
+          <p:cNvSpPr/>
+          <p:nvPr/>
+        </p:nvSpPr>
+        <p:spPr>
+          <a:xfrm rot="5400000">
+            <a:off x="7026957" y="5295719"/>
+            <a:ext cx="203200" cy="203200"/>
+          </a:xfrm>
+          <a:prstGeom prst="ellipse">
+            <a:avLst/>
+          </a:prstGeom>
+          <a:solidFill>
+            <a:schemeClr val="bg1">
+              <a:lumMod val="95000"/>
+            </a:schemeClr>
+          </a:solidFill>
+          <a:ln>
+            <a:solidFill>
+              <a:schemeClr val="tx1">
+                <a:lumMod val="65000"/>
+                <a:lumOff val="35000"/>
+              </a:schemeClr>
+            </a:solidFill>
+          </a:ln>
+        </p:spPr>
+        <p:style>
+          <a:lnRef idx="2">
+            <a:schemeClr val="accent1">
+              <a:shade val="15000"/>
+            </a:schemeClr>
+          </a:lnRef>
+          <a:fillRef idx="1">
+            <a:schemeClr val="accent1"/>
+          </a:fillRef>
+          <a:effectRef idx="0">
+            <a:schemeClr val="accent1"/>
+          </a:effectRef>
+          <a:fontRef idx="minor">
+            <a:schemeClr val="lt1"/>
+          </a:fontRef>
+        </p:style>
+        <p:txBody>
+          <a:bodyPr rtlCol="0" anchor="ctr"/>
+          <a:lstStyle/>
+          <a:p>
+            <a:pPr algn="ctr"/>
+            <a:endParaRPr lang="en-US"/>
+          </a:p>
+        </p:txBody>
+      </p:sp>
+      <p:cxnSp>
+        <p:nvCxnSpPr>
+          <p:cNvPr id="6" name="Straight Connector 5">
+            <a:extLst>
+              <a:ext uri="{FF2B5EF4-FFF2-40B4-BE49-F238E27FC236}">
+                <a16:creationId xmlns:a16="http://schemas.microsoft.com/office/drawing/2014/main" id="{CD3E22B7-9B31-3384-3DF7-873BF92BEF4F}"/>
+              </a:ext>
+            </a:extLst>
+          </p:cNvPr>
+          <p:cNvCxnSpPr>
+            <a:cxnSpLocks/>
+          </p:cNvCxnSpPr>
+          <p:nvPr/>
+        </p:nvCxnSpPr>
+        <p:spPr>
+          <a:xfrm>
+            <a:off x="8329040" y="5231374"/>
+            <a:ext cx="0" cy="333586"/>
+          </a:xfrm>
+          <a:prstGeom prst="line">
+            <a:avLst/>
+          </a:prstGeom>
+          <a:ln>
+            <a:solidFill>
+              <a:schemeClr val="tx1">
+                <a:lumMod val="65000"/>
+                <a:lumOff val="35000"/>
+              </a:schemeClr>
+            </a:solidFill>
+          </a:ln>
+        </p:spPr>
+        <p:style>
+          <a:lnRef idx="1">
+            <a:schemeClr val="accent1"/>
+          </a:lnRef>
+          <a:fillRef idx="0">
+            <a:schemeClr val="accent1"/>
+          </a:fillRef>
+          <a:effectRef idx="0">
+            <a:schemeClr val="accent1"/>
+          </a:effectRef>
+          <a:fontRef idx="minor">
+            <a:schemeClr val="tx1"/>
+          </a:fontRef>
+        </p:style>
+      </p:cxnSp>
+      <p:cxnSp>
+        <p:nvCxnSpPr>
+          <p:cNvPr id="7" name="Straight Connector 6">
+            <a:extLst>
+              <a:ext uri="{FF2B5EF4-FFF2-40B4-BE49-F238E27FC236}">
+                <a16:creationId xmlns:a16="http://schemas.microsoft.com/office/drawing/2014/main" id="{4E099013-81C5-42BF-520D-D04FA97A88DA}"/>
+              </a:ext>
+            </a:extLst>
+          </p:cNvPr>
+          <p:cNvCxnSpPr>
+            <a:cxnSpLocks/>
+          </p:cNvCxnSpPr>
+          <p:nvPr/>
+        </p:nvCxnSpPr>
+        <p:spPr>
+          <a:xfrm>
+            <a:off x="8440800" y="5241534"/>
+            <a:ext cx="0" cy="333586"/>
+          </a:xfrm>
+          <a:prstGeom prst="line">
+            <a:avLst/>
+          </a:prstGeom>
+          <a:ln>
+            <a:solidFill>
+              <a:schemeClr val="tx1">
+                <a:lumMod val="65000"/>
+                <a:lumOff val="35000"/>
+              </a:schemeClr>
+            </a:solidFill>
+          </a:ln>
+        </p:spPr>
+        <p:style>
+          <a:lnRef idx="1">
+            <a:schemeClr val="accent1"/>
+          </a:lnRef>
+          <a:fillRef idx="0">
+            <a:schemeClr val="accent1"/>
+          </a:fillRef>
+          <a:effectRef idx="0">
+            <a:schemeClr val="accent1"/>
+          </a:effectRef>
+          <a:fontRef idx="minor">
+            <a:schemeClr val="tx1"/>
+          </a:fontRef>
+        </p:style>
+      </p:cxnSp>
+      <p:sp>
+        <p:nvSpPr>
+          <p:cNvPr id="8" name="Rectangle 7">
+            <a:extLst>
+              <a:ext uri="{FF2B5EF4-FFF2-40B4-BE49-F238E27FC236}">
+                <a16:creationId xmlns:a16="http://schemas.microsoft.com/office/drawing/2014/main" id="{82B8B766-7409-FCE8-3A9D-362FA5972229}"/>
+              </a:ext>
+            </a:extLst>
+          </p:cNvPr>
+          <p:cNvSpPr/>
+          <p:nvPr/>
+        </p:nvSpPr>
+        <p:spPr>
+          <a:xfrm rot="16200000">
+            <a:off x="7038258" y="5149800"/>
+            <a:ext cx="1319044" cy="454400"/>
+          </a:xfrm>
+          <a:prstGeom prst="rect">
+            <a:avLst/>
+          </a:prstGeom>
+          <a:solidFill>
+            <a:schemeClr val="bg1">
+              <a:lumMod val="95000"/>
+            </a:schemeClr>
+          </a:solidFill>
+          <a:ln>
+            <a:noFill/>
+          </a:ln>
+        </p:spPr>
+        <p:style>
+          <a:lnRef idx="2">
+            <a:schemeClr val="accent1">
+              <a:shade val="15000"/>
+            </a:schemeClr>
+          </a:lnRef>
+          <a:fillRef idx="1">
+            <a:schemeClr val="accent1"/>
+          </a:fillRef>
+          <a:effectRef idx="0">
+            <a:schemeClr val="accent1"/>
+          </a:effectRef>
+          <a:fontRef idx="minor">
+            <a:schemeClr val="lt1"/>
+          </a:fontRef>
+        </p:style>
+        <p:txBody>
+          <a:bodyPr rtlCol="0" anchor="ctr"/>
+          <a:lstStyle/>
+          <a:p>
+            <a:pPr algn="ctr"/>
+            <a:r>
+              <a:rPr lang="en-US" dirty="0">
+                <a:solidFill>
+                  <a:schemeClr val="tx1"/>
+                </a:solidFill>
+              </a:rPr>
+              <a:t>owned by</a:t>
+            </a:r>
+          </a:p>
+        </p:txBody>
+      </p:sp>
+      <p:graphicFrame>
+        <p:nvGraphicFramePr>
+          <p:cNvPr id="9" name="Table 8">
+            <a:extLst>
+              <a:ext uri="{FF2B5EF4-FFF2-40B4-BE49-F238E27FC236}">
+                <a16:creationId xmlns:a16="http://schemas.microsoft.com/office/drawing/2014/main" id="{F8B2FBF1-972B-084B-AE18-6DA445A7951D}"/>
+              </a:ext>
+            </a:extLst>
+          </p:cNvPr>
+          <p:cNvGraphicFramePr>
+            <a:graphicFrameLocks noGrp="1"/>
+          </p:cNvGraphicFramePr>
+          <p:nvPr>
+            <p:extLst>
+              <p:ext uri="{D42A27DB-BD31-4B8C-83A1-F6EECF244321}">
+                <p14:modId xmlns:p14="http://schemas.microsoft.com/office/powerpoint/2010/main" val="3250796831"/>
+              </p:ext>
+            </p:extLst>
+          </p:nvPr>
+        </p:nvGraphicFramePr>
+        <p:xfrm>
+          <a:off x="8541762" y="4809241"/>
+          <a:ext cx="4536966" cy="1107440"/>
+        </p:xfrm>
+        <a:graphic>
+          <a:graphicData uri="http://schemas.openxmlformats.org/drawingml/2006/table">
+            <a:tbl>
+              <a:tblPr firstRow="1" bandRow="1">
+                <a:tableStyleId>{5C22544A-7EE6-4342-B048-85BDC9FD1C3A}</a:tableStyleId>
+              </a:tblPr>
+              <a:tblGrid>
+                <a:gridCol w="1512322">
+                  <a:extLst>
+                    <a:ext uri="{9D8B030D-6E8A-4147-A177-3AD203B41FA5}">
+                      <a16:colId xmlns:a16="http://schemas.microsoft.com/office/drawing/2014/main" val="3375781919"/>
+                    </a:ext>
+                  </a:extLst>
+                </a:gridCol>
+                <a:gridCol w="1512322">
+                  <a:extLst>
+                    <a:ext uri="{9D8B030D-6E8A-4147-A177-3AD203B41FA5}">
+                      <a16:colId xmlns:a16="http://schemas.microsoft.com/office/drawing/2014/main" val="2875354944"/>
+                    </a:ext>
+                  </a:extLst>
+                </a:gridCol>
+                <a:gridCol w="1512322">
+                  <a:extLst>
+                    <a:ext uri="{9D8B030D-6E8A-4147-A177-3AD203B41FA5}">
+                      <a16:colId xmlns:a16="http://schemas.microsoft.com/office/drawing/2014/main" val="4243413479"/>
+                    </a:ext>
+                  </a:extLst>
+                </a:gridCol>
+              </a:tblGrid>
+              <a:tr h="0">
+                <a:tc gridSpan="3">
+                  <a:txBody>
+                    <a:bodyPr/>
+                    <a:lstStyle/>
+                    <a:p>
+                      <a:r>
+                        <a:rPr lang="en-US" dirty="0">
+                          <a:solidFill>
+                            <a:schemeClr val="tx1"/>
+                          </a:solidFill>
+                        </a:rPr>
+                        <a:t>Folder</a:t>
+                      </a:r>
+                    </a:p>
+                  </a:txBody>
+                  <a:tcPr>
+                    <a:lnL w="12700" cap="flat" cmpd="sng" algn="ctr">
+                      <a:solidFill>
+                        <a:schemeClr val="tx1"/>
+                      </a:solidFill>
+                      <a:prstDash val="solid"/>
+                      <a:round/>
+                      <a:headEnd type="none" w="med" len="med"/>
+                      <a:tailEnd type="none" w="med" len="med"/>
+                    </a:lnL>
+                    <a:lnR w="12700" cap="flat" cmpd="sng" algn="ctr">
+                      <a:solidFill>
+                        <a:schemeClr val="tx1"/>
+                      </a:solidFill>
+                      <a:prstDash val="solid"/>
+                      <a:round/>
+                      <a:headEnd type="none" w="med" len="med"/>
+                      <a:tailEnd type="none" w="med" len="med"/>
+                    </a:lnR>
+                    <a:lnT w="12700" cap="flat" cmpd="sng" algn="ctr">
+                      <a:solidFill>
+                        <a:schemeClr val="tx1"/>
+                      </a:solidFill>
+                      <a:prstDash val="solid"/>
+                      <a:round/>
+                      <a:headEnd type="none" w="med" len="med"/>
+                      <a:tailEnd type="none" w="med" len="med"/>
+                    </a:lnT>
+                    <a:lnB w="12700" cap="flat" cmpd="sng" algn="ctr">
+                      <a:solidFill>
+                        <a:schemeClr val="tx1"/>
+                      </a:solidFill>
+                      <a:prstDash val="solid"/>
+                      <a:round/>
+                      <a:headEnd type="none" w="med" len="med"/>
+                      <a:tailEnd type="none" w="med" len="med"/>
+                    </a:lnB>
+                    <a:solidFill>
+                      <a:schemeClr val="bg1">
+                        <a:lumMod val="75000"/>
+                      </a:schemeClr>
+                    </a:solidFill>
+                  </a:tcPr>
+                </a:tc>
+                <a:tc hMerge="1">
+                  <a:txBody>
+                    <a:bodyPr/>
+                    <a:lstStyle/>
+                    <a:p>
+                      <a:endParaRPr lang="en-US" dirty="0"/>
+                    </a:p>
+                  </a:txBody>
+                  <a:tcPr/>
+                </a:tc>
+                <a:tc hMerge="1">
+                  <a:txBody>
+                    <a:bodyPr/>
+                    <a:lstStyle/>
+                    <a:p>
+                      <a:endParaRPr lang="en-US" dirty="0"/>
+                    </a:p>
+                  </a:txBody>
+                  <a:tcPr/>
+                </a:tc>
+                <a:extLst>
+                  <a:ext uri="{0D108BD9-81ED-4DB2-BD59-A6C34878D82A}">
+                    <a16:rowId xmlns:a16="http://schemas.microsoft.com/office/drawing/2014/main" val="3184441207"/>
+                  </a:ext>
+                </a:extLst>
+              </a:tr>
+              <a:tr h="370840">
+                <a:tc>
+                  <a:txBody>
+                    <a:bodyPr/>
+                    <a:lstStyle/>
+                    <a:p>
+                      <a:r>
+                        <a:rPr lang="en-US" dirty="0">
+                          <a:solidFill>
+                            <a:schemeClr val="tx1"/>
+                          </a:solidFill>
+                        </a:rPr>
+                        <a:t>int</a:t>
+                      </a:r>
+                    </a:p>
+                  </a:txBody>
+                  <a:tcPr>
+                    <a:lnL w="12700" cap="flat" cmpd="sng" algn="ctr">
+                      <a:solidFill>
+                        <a:schemeClr val="tx1"/>
+                      </a:solidFill>
+                      <a:prstDash val="solid"/>
+                      <a:round/>
+                      <a:headEnd type="none" w="med" len="med"/>
+                      <a:tailEnd type="none" w="med" len="med"/>
+                    </a:lnL>
+                    <a:lnR w="12700" cap="flat" cmpd="sng" algn="ctr">
+                      <a:solidFill>
+                        <a:schemeClr val="tx1"/>
+                      </a:solidFill>
+                      <a:prstDash val="solid"/>
+                      <a:round/>
+                      <a:headEnd type="none" w="med" len="med"/>
+                      <a:tailEnd type="none" w="med" len="med"/>
+                    </a:lnR>
+                    <a:lnT w="12700" cap="flat" cmpd="sng" algn="ctr">
+                      <a:solidFill>
+                        <a:schemeClr val="tx1"/>
+                      </a:solidFill>
+                      <a:prstDash val="solid"/>
+                      <a:round/>
+                      <a:headEnd type="none" w="med" len="med"/>
+                      <a:tailEnd type="none" w="med" len="med"/>
+                    </a:lnT>
+                    <a:lnB w="12700" cap="flat" cmpd="sng" algn="ctr">
+                      <a:solidFill>
+                        <a:schemeClr val="tx1"/>
+                      </a:solidFill>
+                      <a:prstDash val="solid"/>
+                      <a:round/>
+                      <a:headEnd type="none" w="med" len="med"/>
+                      <a:tailEnd type="none" w="med" len="med"/>
+                    </a:lnB>
+                    <a:solidFill>
+                      <a:schemeClr val="bg1">
+                        <a:lumMod val="95000"/>
+                      </a:schemeClr>
+                    </a:solidFill>
+                  </a:tcPr>
+                </a:tc>
+                <a:tc>
+                  <a:txBody>
+                    <a:bodyPr/>
+                    <a:lstStyle/>
+                    <a:p>
+                      <a:r>
+                        <a:rPr lang="en-US" dirty="0" err="1">
+                          <a:solidFill>
+                            <a:schemeClr val="tx1"/>
+                          </a:solidFill>
+                        </a:rPr>
+                        <a:t>folder_id</a:t>
+                      </a:r>
+                      <a:endParaRPr lang="en-US" dirty="0">
+                        <a:solidFill>
+                          <a:schemeClr val="tx1"/>
+                        </a:solidFill>
+                      </a:endParaRPr>
+                    </a:p>
+                  </a:txBody>
+                  <a:tcPr>
+                    <a:lnL w="12700" cap="flat" cmpd="sng" algn="ctr">
+                      <a:solidFill>
+                        <a:schemeClr val="tx1"/>
+                      </a:solidFill>
+                      <a:prstDash val="solid"/>
+                      <a:round/>
+                      <a:headEnd type="none" w="med" len="med"/>
+                      <a:tailEnd type="none" w="med" len="med"/>
+                    </a:lnL>
+                    <a:lnR w="12700" cap="flat" cmpd="sng" algn="ctr">
+                      <a:solidFill>
+                        <a:schemeClr val="tx1"/>
+                      </a:solidFill>
+                      <a:prstDash val="solid"/>
+                      <a:round/>
+                      <a:headEnd type="none" w="med" len="med"/>
+                      <a:tailEnd type="none" w="med" len="med"/>
+                    </a:lnR>
+                    <a:lnT w="12700" cap="flat" cmpd="sng" algn="ctr">
+                      <a:solidFill>
+                        <a:schemeClr val="tx1"/>
+                      </a:solidFill>
+                      <a:prstDash val="solid"/>
+                      <a:round/>
+                      <a:headEnd type="none" w="med" len="med"/>
+                      <a:tailEnd type="none" w="med" len="med"/>
+                    </a:lnT>
+                    <a:lnB w="12700" cap="flat" cmpd="sng" algn="ctr">
+                      <a:solidFill>
+                        <a:schemeClr val="tx1"/>
+                      </a:solidFill>
+                      <a:prstDash val="solid"/>
+                      <a:round/>
+                      <a:headEnd type="none" w="med" len="med"/>
+                      <a:tailEnd type="none" w="med" len="med"/>
+                    </a:lnB>
+                    <a:solidFill>
+                      <a:schemeClr val="bg1">
+                        <a:lumMod val="95000"/>
+                      </a:schemeClr>
+                    </a:solidFill>
+                  </a:tcPr>
+                </a:tc>
+                <a:tc>
+                  <a:txBody>
+                    <a:bodyPr/>
+                    <a:lstStyle/>
+                    <a:p>
+                      <a:r>
+                        <a:rPr lang="en-US" dirty="0">
+                          <a:solidFill>
+                            <a:schemeClr val="tx1"/>
+                          </a:solidFill>
+                        </a:rPr>
+                        <a:t>PK</a:t>
+                      </a:r>
+                    </a:p>
+                  </a:txBody>
+                  <a:tcPr>
+                    <a:lnL w="12700" cap="flat" cmpd="sng" algn="ctr">
+                      <a:solidFill>
+                        <a:schemeClr val="tx1"/>
+                      </a:solidFill>
+                      <a:prstDash val="solid"/>
+                      <a:round/>
+                      <a:headEnd type="none" w="med" len="med"/>
+                      <a:tailEnd type="none" w="med" len="med"/>
+                    </a:lnL>
+                    <a:lnR w="12700" cap="flat" cmpd="sng" algn="ctr">
+                      <a:solidFill>
+                        <a:schemeClr val="tx1"/>
+                      </a:solidFill>
+                      <a:prstDash val="solid"/>
+                      <a:round/>
+                      <a:headEnd type="none" w="med" len="med"/>
+                      <a:tailEnd type="none" w="med" len="med"/>
+                    </a:lnR>
+                    <a:lnT w="12700" cap="flat" cmpd="sng" algn="ctr">
+                      <a:solidFill>
+                        <a:schemeClr val="tx1"/>
+                      </a:solidFill>
+                      <a:prstDash val="solid"/>
+                      <a:round/>
+                      <a:headEnd type="none" w="med" len="med"/>
+                      <a:tailEnd type="none" w="med" len="med"/>
+                    </a:lnT>
+                    <a:lnB w="12700" cap="flat" cmpd="sng" algn="ctr">
+                      <a:solidFill>
+                        <a:schemeClr val="tx1"/>
+                      </a:solidFill>
+                      <a:prstDash val="solid"/>
+                      <a:round/>
+                      <a:headEnd type="none" w="med" len="med"/>
+                      <a:tailEnd type="none" w="med" len="med"/>
+                    </a:lnB>
+                    <a:solidFill>
+                      <a:schemeClr val="bg1">
+                        <a:lumMod val="95000"/>
+                      </a:schemeClr>
+                    </a:solidFill>
+                  </a:tcPr>
+                </a:tc>
+                <a:extLst>
+                  <a:ext uri="{0D108BD9-81ED-4DB2-BD59-A6C34878D82A}">
+                    <a16:rowId xmlns:a16="http://schemas.microsoft.com/office/drawing/2014/main" val="2799862922"/>
+                  </a:ext>
+                </a:extLst>
+              </a:tr>
+              <a:tr h="370840">
+                <a:tc>
+                  <a:txBody>
+                    <a:bodyPr/>
+                    <a:lstStyle/>
+                    <a:p>
+                      <a:r>
+                        <a:rPr lang="en-US" dirty="0">
+                          <a:solidFill>
+                            <a:schemeClr val="tx1"/>
+                          </a:solidFill>
+                        </a:rPr>
+                        <a:t>string</a:t>
+                      </a:r>
+                    </a:p>
+                  </a:txBody>
+                  <a:tcPr>
+                    <a:lnL w="12700" cap="flat" cmpd="sng" algn="ctr">
+                      <a:solidFill>
+                        <a:schemeClr val="tx1"/>
+                      </a:solidFill>
+                      <a:prstDash val="solid"/>
+                      <a:round/>
+                      <a:headEnd type="none" w="med" len="med"/>
+                      <a:tailEnd type="none" w="med" len="med"/>
+                    </a:lnL>
+                    <a:lnR w="12700" cap="flat" cmpd="sng" algn="ctr">
+                      <a:solidFill>
+                        <a:schemeClr val="tx1"/>
+                      </a:solidFill>
+                      <a:prstDash val="solid"/>
+                      <a:round/>
+                      <a:headEnd type="none" w="med" len="med"/>
+                      <a:tailEnd type="none" w="med" len="med"/>
+                    </a:lnR>
+                    <a:lnT w="12700" cap="flat" cmpd="sng" algn="ctr">
+                      <a:solidFill>
+                        <a:schemeClr val="tx1"/>
+                      </a:solidFill>
+                      <a:prstDash val="solid"/>
+                      <a:round/>
+                      <a:headEnd type="none" w="med" len="med"/>
+                      <a:tailEnd type="none" w="med" len="med"/>
+                    </a:lnT>
+                    <a:lnB w="12700" cap="flat" cmpd="sng" algn="ctr">
+                      <a:solidFill>
+                        <a:schemeClr val="tx1"/>
+                      </a:solidFill>
+                      <a:prstDash val="solid"/>
+                      <a:round/>
+                      <a:headEnd type="none" w="med" len="med"/>
+                      <a:tailEnd type="none" w="med" len="med"/>
+                    </a:lnB>
+                    <a:solidFill>
+                      <a:schemeClr val="bg1">
+                        <a:lumMod val="75000"/>
+                      </a:schemeClr>
+                    </a:solidFill>
+                  </a:tcPr>
+                </a:tc>
+                <a:tc>
+                  <a:txBody>
+                    <a:bodyPr/>
+                    <a:lstStyle/>
+                    <a:p>
+                      <a:r>
+                        <a:rPr lang="en-US" dirty="0">
+                          <a:solidFill>
+                            <a:schemeClr val="tx1"/>
+                          </a:solidFill>
+                        </a:rPr>
+                        <a:t>owner</a:t>
+                      </a:r>
+                    </a:p>
+                  </a:txBody>
+                  <a:tcPr>
+                    <a:lnL w="12700" cap="flat" cmpd="sng" algn="ctr">
+                      <a:solidFill>
+                        <a:schemeClr val="tx1"/>
+                      </a:solidFill>
+                      <a:prstDash val="solid"/>
+                      <a:round/>
+                      <a:headEnd type="none" w="med" len="med"/>
+                      <a:tailEnd type="none" w="med" len="med"/>
+                    </a:lnL>
+                    <a:lnR w="12700" cap="flat" cmpd="sng" algn="ctr">
+                      <a:solidFill>
+                        <a:schemeClr val="tx1"/>
+                      </a:solidFill>
+                      <a:prstDash val="solid"/>
+                      <a:round/>
+                      <a:headEnd type="none" w="med" len="med"/>
+                      <a:tailEnd type="none" w="med" len="med"/>
+                    </a:lnR>
+                    <a:lnT w="12700" cap="flat" cmpd="sng" algn="ctr">
+                      <a:solidFill>
+                        <a:schemeClr val="tx1"/>
+                      </a:solidFill>
+                      <a:prstDash val="solid"/>
+                      <a:round/>
+                      <a:headEnd type="none" w="med" len="med"/>
+                      <a:tailEnd type="none" w="med" len="med"/>
+                    </a:lnT>
+                    <a:lnB w="12700" cap="flat" cmpd="sng" algn="ctr">
+                      <a:solidFill>
+                        <a:schemeClr val="tx1"/>
+                      </a:solidFill>
+                      <a:prstDash val="solid"/>
+                      <a:round/>
+                      <a:headEnd type="none" w="med" len="med"/>
+                      <a:tailEnd type="none" w="med" len="med"/>
+                    </a:lnB>
+                    <a:solidFill>
+                      <a:schemeClr val="bg1">
+                        <a:lumMod val="75000"/>
+                      </a:schemeClr>
+                    </a:solidFill>
+                  </a:tcPr>
+                </a:tc>
+                <a:tc>
+                  <a:txBody>
+                    <a:bodyPr/>
+                    <a:lstStyle/>
+                    <a:p>
+                      <a:r>
+                        <a:rPr lang="en-US" dirty="0">
+                          <a:solidFill>
+                            <a:schemeClr val="tx1"/>
+                          </a:solidFill>
+                        </a:rPr>
+                        <a:t>FK</a:t>
+                      </a:r>
+                    </a:p>
+                  </a:txBody>
+                  <a:tcPr>
+                    <a:lnL w="12700" cap="flat" cmpd="sng" algn="ctr">
+                      <a:solidFill>
+                        <a:schemeClr val="tx1"/>
+                      </a:solidFill>
+                      <a:prstDash val="solid"/>
+                      <a:round/>
+                      <a:headEnd type="none" w="med" len="med"/>
+                      <a:tailEnd type="none" w="med" len="med"/>
+                    </a:lnL>
+                    <a:lnR w="12700" cap="flat" cmpd="sng" algn="ctr">
+                      <a:solidFill>
+                        <a:schemeClr val="tx1"/>
+                      </a:solidFill>
+                      <a:prstDash val="solid"/>
+                      <a:round/>
+                      <a:headEnd type="none" w="med" len="med"/>
+                      <a:tailEnd type="none" w="med" len="med"/>
+                    </a:lnR>
+                    <a:lnT w="12700" cap="flat" cmpd="sng" algn="ctr">
+                      <a:solidFill>
+                        <a:schemeClr val="tx1"/>
+                      </a:solidFill>
+                      <a:prstDash val="solid"/>
+                      <a:round/>
+                      <a:headEnd type="none" w="med" len="med"/>
+                      <a:tailEnd type="none" w="med" len="med"/>
+                    </a:lnT>
+                    <a:lnB w="12700" cap="flat" cmpd="sng" algn="ctr">
+                      <a:solidFill>
+                        <a:schemeClr val="tx1"/>
+                      </a:solidFill>
+                      <a:prstDash val="solid"/>
+                      <a:round/>
+                      <a:headEnd type="none" w="med" len="med"/>
+                      <a:tailEnd type="none" w="med" len="med"/>
+                    </a:lnB>
+                    <a:solidFill>
+                      <a:schemeClr val="bg1">
+                        <a:lumMod val="75000"/>
+                      </a:schemeClr>
+                    </a:solidFill>
+                  </a:tcPr>
+                </a:tc>
+                <a:extLst>
+                  <a:ext uri="{0D108BD9-81ED-4DB2-BD59-A6C34878D82A}">
+                    <a16:rowId xmlns:a16="http://schemas.microsoft.com/office/drawing/2014/main" val="2141379787"/>
+                  </a:ext>
+                </a:extLst>
+              </a:tr>
+            </a:tbl>
+          </a:graphicData>
+        </a:graphic>
+      </p:graphicFrame>
+      <p:graphicFrame>
+        <p:nvGraphicFramePr>
+          <p:cNvPr id="12" name="Table 11">
+            <a:extLst>
+              <a:ext uri="{FF2B5EF4-FFF2-40B4-BE49-F238E27FC236}">
+                <a16:creationId xmlns:a16="http://schemas.microsoft.com/office/drawing/2014/main" id="{525E2EF3-E92C-C181-F929-A291932E7DF5}"/>
+              </a:ext>
+            </a:extLst>
+          </p:cNvPr>
+          <p:cNvGraphicFramePr>
+            <a:graphicFrameLocks noGrp="1"/>
+          </p:cNvGraphicFramePr>
+          <p:nvPr>
+            <p:extLst>
+              <p:ext uri="{D42A27DB-BD31-4B8C-83A1-F6EECF244321}">
+                <p14:modId xmlns:p14="http://schemas.microsoft.com/office/powerpoint/2010/main" val="1347841386"/>
+              </p:ext>
+            </p:extLst>
+          </p:nvPr>
+        </p:nvGraphicFramePr>
+        <p:xfrm>
+          <a:off x="7264757" y="2909268"/>
+          <a:ext cx="4536966" cy="1110300"/>
+        </p:xfrm>
+        <a:graphic>
+          <a:graphicData uri="http://schemas.openxmlformats.org/drawingml/2006/table">
+            <a:tbl>
+              <a:tblPr firstRow="1" bandRow="1">
+                <a:tableStyleId>{5C22544A-7EE6-4342-B048-85BDC9FD1C3A}</a:tableStyleId>
+              </a:tblPr>
+              <a:tblGrid>
+                <a:gridCol w="1512322">
+                  <a:extLst>
+                    <a:ext uri="{9D8B030D-6E8A-4147-A177-3AD203B41FA5}">
+                      <a16:colId xmlns:a16="http://schemas.microsoft.com/office/drawing/2014/main" val="3375781919"/>
+                    </a:ext>
+                  </a:extLst>
+                </a:gridCol>
+                <a:gridCol w="1512322">
+                  <a:extLst>
+                    <a:ext uri="{9D8B030D-6E8A-4147-A177-3AD203B41FA5}">
+                      <a16:colId xmlns:a16="http://schemas.microsoft.com/office/drawing/2014/main" val="2875354944"/>
+                    </a:ext>
+                  </a:extLst>
+                </a:gridCol>
+                <a:gridCol w="1512322">
+                  <a:extLst>
+                    <a:ext uri="{9D8B030D-6E8A-4147-A177-3AD203B41FA5}">
+                      <a16:colId xmlns:a16="http://schemas.microsoft.com/office/drawing/2014/main" val="4243413479"/>
+                    </a:ext>
+                  </a:extLst>
+                </a:gridCol>
+              </a:tblGrid>
+              <a:tr h="368620">
+                <a:tc gridSpan="3">
+                  <a:txBody>
+                    <a:bodyPr/>
+                    <a:lstStyle/>
+                    <a:p>
+                      <a:r>
+                        <a:rPr lang="en-US" dirty="0">
+                          <a:solidFill>
+                            <a:schemeClr val="tx1"/>
+                          </a:solidFill>
+                        </a:rPr>
+                        <a:t>Contains</a:t>
+                      </a:r>
+                    </a:p>
+                  </a:txBody>
+                  <a:tcPr>
+                    <a:lnL w="12700" cap="flat" cmpd="sng" algn="ctr">
+                      <a:solidFill>
+                        <a:schemeClr val="tx1"/>
+                      </a:solidFill>
+                      <a:prstDash val="solid"/>
+                      <a:round/>
+                      <a:headEnd type="none" w="med" len="med"/>
+                      <a:tailEnd type="none" w="med" len="med"/>
+                    </a:lnL>
+                    <a:lnR w="12700" cap="flat" cmpd="sng" algn="ctr">
+                      <a:solidFill>
+                        <a:schemeClr val="tx1"/>
+                      </a:solidFill>
+                      <a:prstDash val="solid"/>
+                      <a:round/>
+                      <a:headEnd type="none" w="med" len="med"/>
+                      <a:tailEnd type="none" w="med" len="med"/>
+                    </a:lnR>
+                    <a:lnT w="12700" cap="flat" cmpd="sng" algn="ctr">
+                      <a:solidFill>
+                        <a:schemeClr val="tx1"/>
+                      </a:solidFill>
+                      <a:prstDash val="solid"/>
+                      <a:round/>
+                      <a:headEnd type="none" w="med" len="med"/>
+                      <a:tailEnd type="none" w="med" len="med"/>
+                    </a:lnT>
+                    <a:lnB w="12700" cap="flat" cmpd="sng" algn="ctr">
+                      <a:solidFill>
+                        <a:schemeClr val="tx1"/>
+                      </a:solidFill>
+                      <a:prstDash val="solid"/>
+                      <a:round/>
+                      <a:headEnd type="none" w="med" len="med"/>
+                      <a:tailEnd type="none" w="med" len="med"/>
+                    </a:lnB>
+                    <a:solidFill>
+                      <a:schemeClr val="bg1">
+                        <a:lumMod val="75000"/>
+                      </a:schemeClr>
+                    </a:solidFill>
+                  </a:tcPr>
+                </a:tc>
+                <a:tc hMerge="1">
+                  <a:txBody>
+                    <a:bodyPr/>
+                    <a:lstStyle/>
+                    <a:p>
+                      <a:endParaRPr lang="en-US" dirty="0"/>
+                    </a:p>
+                  </a:txBody>
+                  <a:tcPr/>
+                </a:tc>
+                <a:tc hMerge="1">
+                  <a:txBody>
+                    <a:bodyPr/>
+                    <a:lstStyle/>
+                    <a:p>
+                      <a:endParaRPr lang="en-US" dirty="0"/>
+                    </a:p>
+                  </a:txBody>
+                  <a:tcPr/>
+                </a:tc>
+                <a:extLst>
+                  <a:ext uri="{0D108BD9-81ED-4DB2-BD59-A6C34878D82A}">
+                    <a16:rowId xmlns:a16="http://schemas.microsoft.com/office/drawing/2014/main" val="3184441207"/>
+                  </a:ext>
+                </a:extLst>
+              </a:tr>
+              <a:tr h="370840">
+                <a:tc>
+                  <a:txBody>
+                    <a:bodyPr/>
+                    <a:lstStyle/>
+                    <a:p>
+                      <a:r>
+                        <a:rPr lang="en-US" dirty="0">
+                          <a:solidFill>
+                            <a:schemeClr val="tx1"/>
+                          </a:solidFill>
+                        </a:rPr>
+                        <a:t>int</a:t>
+                      </a:r>
+                    </a:p>
+                  </a:txBody>
+                  <a:tcPr>
+                    <a:lnL w="12700" cap="flat" cmpd="sng" algn="ctr">
+                      <a:solidFill>
+                        <a:schemeClr val="tx1"/>
+                      </a:solidFill>
+                      <a:prstDash val="solid"/>
+                      <a:round/>
+                      <a:headEnd type="none" w="med" len="med"/>
+                      <a:tailEnd type="none" w="med" len="med"/>
+                    </a:lnL>
+                    <a:lnR w="12700" cap="flat" cmpd="sng" algn="ctr">
+                      <a:solidFill>
+                        <a:schemeClr val="tx1"/>
+                      </a:solidFill>
+                      <a:prstDash val="solid"/>
+                      <a:round/>
+                      <a:headEnd type="none" w="med" len="med"/>
+                      <a:tailEnd type="none" w="med" len="med"/>
+                    </a:lnR>
+                    <a:lnT w="12700" cap="flat" cmpd="sng" algn="ctr">
+                      <a:solidFill>
+                        <a:schemeClr val="tx1"/>
+                      </a:solidFill>
+                      <a:prstDash val="solid"/>
+                      <a:round/>
+                      <a:headEnd type="none" w="med" len="med"/>
+                      <a:tailEnd type="none" w="med" len="med"/>
+                    </a:lnT>
+                    <a:lnB w="12700" cap="flat" cmpd="sng" algn="ctr">
+                      <a:solidFill>
+                        <a:schemeClr val="tx1"/>
+                      </a:solidFill>
+                      <a:prstDash val="solid"/>
+                      <a:round/>
+                      <a:headEnd type="none" w="med" len="med"/>
+                      <a:tailEnd type="none" w="med" len="med"/>
+                    </a:lnB>
+                    <a:solidFill>
+                      <a:schemeClr val="bg1">
+                        <a:lumMod val="95000"/>
+                      </a:schemeClr>
+                    </a:solidFill>
+                  </a:tcPr>
+                </a:tc>
+                <a:tc>
+                  <a:txBody>
+                    <a:bodyPr/>
+                    <a:lstStyle/>
+                    <a:p>
+                      <a:r>
+                        <a:rPr lang="en-US" dirty="0" err="1">
+                          <a:solidFill>
+                            <a:schemeClr val="tx1"/>
+                          </a:solidFill>
+                        </a:rPr>
+                        <a:t>folder_id</a:t>
+                      </a:r>
+                      <a:endParaRPr lang="en-US" dirty="0">
+                        <a:solidFill>
+                          <a:schemeClr val="tx1"/>
+                        </a:solidFill>
+                      </a:endParaRPr>
+                    </a:p>
+                  </a:txBody>
+                  <a:tcPr>
+                    <a:lnL w="12700" cap="flat" cmpd="sng" algn="ctr">
+                      <a:solidFill>
+                        <a:schemeClr val="tx1"/>
+                      </a:solidFill>
+                      <a:prstDash val="solid"/>
+                      <a:round/>
+                      <a:headEnd type="none" w="med" len="med"/>
+                      <a:tailEnd type="none" w="med" len="med"/>
+                    </a:lnL>
+                    <a:lnR w="12700" cap="flat" cmpd="sng" algn="ctr">
+                      <a:solidFill>
+                        <a:schemeClr val="tx1"/>
+                      </a:solidFill>
+                      <a:prstDash val="solid"/>
+                      <a:round/>
+                      <a:headEnd type="none" w="med" len="med"/>
+                      <a:tailEnd type="none" w="med" len="med"/>
+                    </a:lnR>
+                    <a:lnT w="12700" cap="flat" cmpd="sng" algn="ctr">
+                      <a:solidFill>
+                        <a:schemeClr val="tx1"/>
+                      </a:solidFill>
+                      <a:prstDash val="solid"/>
+                      <a:round/>
+                      <a:headEnd type="none" w="med" len="med"/>
+                      <a:tailEnd type="none" w="med" len="med"/>
+                    </a:lnT>
+                    <a:lnB w="12700" cap="flat" cmpd="sng" algn="ctr">
+                      <a:solidFill>
+                        <a:schemeClr val="tx1"/>
+                      </a:solidFill>
+                      <a:prstDash val="solid"/>
+                      <a:round/>
+                      <a:headEnd type="none" w="med" len="med"/>
+                      <a:tailEnd type="none" w="med" len="med"/>
+                    </a:lnB>
+                    <a:solidFill>
+                      <a:schemeClr val="bg1">
+                        <a:lumMod val="95000"/>
+                      </a:schemeClr>
+                    </a:solidFill>
+                  </a:tcPr>
+                </a:tc>
+                <a:tc>
+                  <a:txBody>
+                    <a:bodyPr/>
+                    <a:lstStyle/>
+                    <a:p>
+                      <a:r>
+                        <a:rPr lang="en-US" dirty="0">
+                          <a:solidFill>
+                            <a:schemeClr val="tx1"/>
+                          </a:solidFill>
+                        </a:rPr>
+                        <a:t>FK</a:t>
+                      </a:r>
+                    </a:p>
+                  </a:txBody>
+                  <a:tcPr>
+                    <a:lnL w="12700" cap="flat" cmpd="sng" algn="ctr">
+                      <a:solidFill>
+                        <a:schemeClr val="tx1"/>
+                      </a:solidFill>
+                      <a:prstDash val="solid"/>
+                      <a:round/>
+                      <a:headEnd type="none" w="med" len="med"/>
+                      <a:tailEnd type="none" w="med" len="med"/>
+                    </a:lnL>
+                    <a:lnR w="12700" cap="flat" cmpd="sng" algn="ctr">
+                      <a:solidFill>
+                        <a:schemeClr val="tx1"/>
+                      </a:solidFill>
+                      <a:prstDash val="solid"/>
+                      <a:round/>
+                      <a:headEnd type="none" w="med" len="med"/>
+                      <a:tailEnd type="none" w="med" len="med"/>
+                    </a:lnR>
+                    <a:lnT w="12700" cap="flat" cmpd="sng" algn="ctr">
+                      <a:solidFill>
+                        <a:schemeClr val="tx1"/>
+                      </a:solidFill>
+                      <a:prstDash val="solid"/>
+                      <a:round/>
+                      <a:headEnd type="none" w="med" len="med"/>
+                      <a:tailEnd type="none" w="med" len="med"/>
+                    </a:lnT>
+                    <a:lnB w="12700" cap="flat" cmpd="sng" algn="ctr">
+                      <a:solidFill>
+                        <a:schemeClr val="tx1"/>
+                      </a:solidFill>
+                      <a:prstDash val="solid"/>
+                      <a:round/>
+                      <a:headEnd type="none" w="med" len="med"/>
+                      <a:tailEnd type="none" w="med" len="med"/>
+                    </a:lnB>
+                    <a:solidFill>
+                      <a:schemeClr val="bg1">
+                        <a:lumMod val="95000"/>
+                      </a:schemeClr>
+                    </a:solidFill>
+                  </a:tcPr>
+                </a:tc>
+                <a:extLst>
+                  <a:ext uri="{0D108BD9-81ED-4DB2-BD59-A6C34878D82A}">
+                    <a16:rowId xmlns:a16="http://schemas.microsoft.com/office/drawing/2014/main" val="2799862922"/>
+                  </a:ext>
+                </a:extLst>
+              </a:tr>
+              <a:tr h="370840">
+                <a:tc>
+                  <a:txBody>
+                    <a:bodyPr/>
+                    <a:lstStyle/>
+                    <a:p>
+                      <a:r>
+                        <a:rPr lang="en-US" dirty="0">
+                          <a:solidFill>
+                            <a:schemeClr val="tx1"/>
+                          </a:solidFill>
+                        </a:rPr>
+                        <a:t>int</a:t>
+                      </a:r>
+                    </a:p>
+                  </a:txBody>
+                  <a:tcPr>
+                    <a:lnL w="12700" cap="flat" cmpd="sng" algn="ctr">
+                      <a:solidFill>
+                        <a:schemeClr val="tx1"/>
+                      </a:solidFill>
+                      <a:prstDash val="solid"/>
+                      <a:round/>
+                      <a:headEnd type="none" w="med" len="med"/>
+                      <a:tailEnd type="none" w="med" len="med"/>
+                    </a:lnL>
+                    <a:lnR w="12700" cap="flat" cmpd="sng" algn="ctr">
+                      <a:solidFill>
+                        <a:schemeClr val="tx1"/>
+                      </a:solidFill>
+                      <a:prstDash val="solid"/>
+                      <a:round/>
+                      <a:headEnd type="none" w="med" len="med"/>
+                      <a:tailEnd type="none" w="med" len="med"/>
+                    </a:lnR>
+                    <a:lnT w="12700" cap="flat" cmpd="sng" algn="ctr">
+                      <a:solidFill>
+                        <a:schemeClr val="tx1"/>
+                      </a:solidFill>
+                      <a:prstDash val="solid"/>
+                      <a:round/>
+                      <a:headEnd type="none" w="med" len="med"/>
+                      <a:tailEnd type="none" w="med" len="med"/>
+                    </a:lnT>
+                    <a:lnB w="12700" cap="flat" cmpd="sng" algn="ctr">
+                      <a:solidFill>
+                        <a:schemeClr val="tx1"/>
+                      </a:solidFill>
+                      <a:prstDash val="solid"/>
+                      <a:round/>
+                      <a:headEnd type="none" w="med" len="med"/>
+                      <a:tailEnd type="none" w="med" len="med"/>
+                    </a:lnB>
+                    <a:solidFill>
+                      <a:schemeClr val="bg1">
+                        <a:lumMod val="75000"/>
+                      </a:schemeClr>
+                    </a:solidFill>
+                  </a:tcPr>
+                </a:tc>
+                <a:tc>
+                  <a:txBody>
+                    <a:bodyPr/>
+                    <a:lstStyle/>
+                    <a:p>
+                      <a:r>
+                        <a:rPr lang="en-US" dirty="0" err="1">
+                          <a:solidFill>
+                            <a:schemeClr val="tx1"/>
+                          </a:solidFill>
+                        </a:rPr>
+                        <a:t>sequence_id</a:t>
+                      </a:r>
+                      <a:endParaRPr lang="en-US" dirty="0">
+                        <a:solidFill>
+                          <a:schemeClr val="tx1"/>
+                        </a:solidFill>
+                      </a:endParaRPr>
+                    </a:p>
+                  </a:txBody>
+                  <a:tcPr>
+                    <a:lnL w="12700" cap="flat" cmpd="sng" algn="ctr">
+                      <a:solidFill>
+                        <a:schemeClr val="tx1"/>
+                      </a:solidFill>
+                      <a:prstDash val="solid"/>
+                      <a:round/>
+                      <a:headEnd type="none" w="med" len="med"/>
+                      <a:tailEnd type="none" w="med" len="med"/>
+                    </a:lnL>
+                    <a:lnR w="12700" cap="flat" cmpd="sng" algn="ctr">
+                      <a:solidFill>
+                        <a:schemeClr val="tx1"/>
+                      </a:solidFill>
+                      <a:prstDash val="solid"/>
+                      <a:round/>
+                      <a:headEnd type="none" w="med" len="med"/>
+                      <a:tailEnd type="none" w="med" len="med"/>
+                    </a:lnR>
+                    <a:lnT w="12700" cap="flat" cmpd="sng" algn="ctr">
+                      <a:solidFill>
+                        <a:schemeClr val="tx1"/>
+                      </a:solidFill>
+                      <a:prstDash val="solid"/>
+                      <a:round/>
+                      <a:headEnd type="none" w="med" len="med"/>
+                      <a:tailEnd type="none" w="med" len="med"/>
+                    </a:lnT>
+                    <a:lnB w="12700" cap="flat" cmpd="sng" algn="ctr">
+                      <a:solidFill>
+                        <a:schemeClr val="tx1"/>
+                      </a:solidFill>
+                      <a:prstDash val="solid"/>
+                      <a:round/>
+                      <a:headEnd type="none" w="med" len="med"/>
+                      <a:tailEnd type="none" w="med" len="med"/>
+                    </a:lnB>
+                    <a:solidFill>
+                      <a:schemeClr val="bg1">
+                        <a:lumMod val="75000"/>
+                      </a:schemeClr>
+                    </a:solidFill>
+                  </a:tcPr>
+                </a:tc>
+                <a:tc>
+                  <a:txBody>
+                    <a:bodyPr/>
+                    <a:lstStyle/>
+                    <a:p>
+                      <a:r>
+                        <a:rPr lang="en-US" dirty="0">
+                          <a:solidFill>
+                            <a:schemeClr val="tx1"/>
+                          </a:solidFill>
+                        </a:rPr>
+                        <a:t>FK</a:t>
+                      </a:r>
+                    </a:p>
+                  </a:txBody>
+                  <a:tcPr>
+                    <a:lnL w="12700" cap="flat" cmpd="sng" algn="ctr">
+                      <a:solidFill>
+                        <a:schemeClr val="tx1"/>
+                      </a:solidFill>
+                      <a:prstDash val="solid"/>
+                      <a:round/>
+                      <a:headEnd type="none" w="med" len="med"/>
+                      <a:tailEnd type="none" w="med" len="med"/>
+                    </a:lnL>
+                    <a:lnR w="12700" cap="flat" cmpd="sng" algn="ctr">
+                      <a:solidFill>
+                        <a:schemeClr val="tx1"/>
+                      </a:solidFill>
+                      <a:prstDash val="solid"/>
+                      <a:round/>
+                      <a:headEnd type="none" w="med" len="med"/>
+                      <a:tailEnd type="none" w="med" len="med"/>
+                    </a:lnR>
+                    <a:lnT w="12700" cap="flat" cmpd="sng" algn="ctr">
+                      <a:solidFill>
+                        <a:schemeClr val="tx1"/>
+                      </a:solidFill>
+                      <a:prstDash val="solid"/>
+                      <a:round/>
+                      <a:headEnd type="none" w="med" len="med"/>
+                      <a:tailEnd type="none" w="med" len="med"/>
+                    </a:lnT>
+                    <a:lnB w="12700" cap="flat" cmpd="sng" algn="ctr">
+                      <a:solidFill>
+                        <a:schemeClr val="tx1"/>
+                      </a:solidFill>
+                      <a:prstDash val="solid"/>
+                      <a:round/>
+                      <a:headEnd type="none" w="med" len="med"/>
+                      <a:tailEnd type="none" w="med" len="med"/>
+                    </a:lnB>
+                    <a:solidFill>
+                      <a:schemeClr val="bg1">
+                        <a:lumMod val="75000"/>
+                      </a:schemeClr>
+                    </a:solidFill>
+                  </a:tcPr>
+                </a:tc>
+                <a:extLst>
+                  <a:ext uri="{0D108BD9-81ED-4DB2-BD59-A6C34878D82A}">
+                    <a16:rowId xmlns:a16="http://schemas.microsoft.com/office/drawing/2014/main" val="2141379787"/>
+                  </a:ext>
+                </a:extLst>
+              </a:tr>
+            </a:tbl>
+          </a:graphicData>
+        </a:graphic>
+      </p:graphicFrame>
+      <p:sp>
+        <p:nvSpPr>
+          <p:cNvPr id="14" name="Rectangle 13">
+            <a:extLst>
+              <a:ext uri="{FF2B5EF4-FFF2-40B4-BE49-F238E27FC236}">
+                <a16:creationId xmlns:a16="http://schemas.microsoft.com/office/drawing/2014/main" id="{DC62A4FE-13AF-47CC-01E1-449EF2F580E5}"/>
+              </a:ext>
+            </a:extLst>
+          </p:cNvPr>
+          <p:cNvSpPr/>
+          <p:nvPr/>
+        </p:nvSpPr>
+        <p:spPr>
+          <a:xfrm>
+            <a:off x="7264757" y="2119595"/>
+            <a:ext cx="4536966" cy="600651"/>
+          </a:xfrm>
+          <a:prstGeom prst="rect">
+            <a:avLst/>
+          </a:prstGeom>
+          <a:solidFill>
+            <a:schemeClr val="bg1">
+              <a:lumMod val="95000"/>
+            </a:schemeClr>
+          </a:solidFill>
+          <a:ln>
+            <a:noFill/>
+          </a:ln>
+        </p:spPr>
+        <p:style>
+          <a:lnRef idx="2">
+            <a:schemeClr val="accent1">
+              <a:shade val="15000"/>
+            </a:schemeClr>
+          </a:lnRef>
+          <a:fillRef idx="1">
+            <a:schemeClr val="accent1"/>
+          </a:fillRef>
+          <a:effectRef idx="0">
+            <a:schemeClr val="accent1"/>
+          </a:effectRef>
+          <a:fontRef idx="minor">
+            <a:schemeClr val="lt1"/>
+          </a:fontRef>
+        </p:style>
+        <p:txBody>
+          <a:bodyPr rtlCol="0" anchor="ctr"/>
+          <a:lstStyle/>
+          <a:p>
+            <a:pPr algn="ctr"/>
+            <a:r>
+              <a:rPr lang="en-US" dirty="0">
+                <a:solidFill>
+                  <a:schemeClr val="tx1"/>
+                </a:solidFill>
+              </a:rPr>
+              <a:t>Many-To-Many Relation:</a:t>
+            </a:r>
+          </a:p>
+          <a:p>
+            <a:pPr algn="ctr"/>
+            <a:r>
+              <a:rPr lang="en-US" dirty="0">
+                <a:solidFill>
+                  <a:schemeClr val="tx1"/>
+                </a:solidFill>
+              </a:rPr>
+              <a:t>Folders Contain Sequences</a:t>
             </a:r>
           </a:p>
         </p:txBody>

--- a/diagrams/Diagrams.pptx
+++ b/diagrams/Diagrams.pptx
@@ -118,7 +118,7 @@
 <file path=ppt/revisionInfo.xml><?xml version="1.0" encoding="utf-8"?>
 <p1510:revInfo xmlns:a="http://schemas.openxmlformats.org/drawingml/2006/main" xmlns:r="http://schemas.openxmlformats.org/officeDocument/2006/relationships" xmlns:p1510="http://schemas.microsoft.com/office/powerpoint/2015/10/main">
   <p1510:revLst>
-    <p1510:client id="{3B50D52C-BE19-2C48-BFEF-D0014175D0DA}" v="5" dt="2024-02-27T00:19:46.892"/>
+    <p1510:client id="{3B50D52C-BE19-2C48-BFEF-D0014175D0DA}" v="6" dt="2024-02-28T05:30:12.932"/>
   </p1510:revLst>
 </p1510:revInfo>
 </file>
@@ -128,18 +128,18 @@
   <pc:docChgLst>
     <pc:chgData name="David Viggiano" userId="c7a197fbcb7db713" providerId="LiveId" clId="{3B50D52C-BE19-2C48-BFEF-D0014175D0DA}"/>
     <pc:docChg chg="custSel modSld">
-      <pc:chgData name="David Viggiano" userId="c7a197fbcb7db713" providerId="LiveId" clId="{3B50D52C-BE19-2C48-BFEF-D0014175D0DA}" dt="2024-02-27T00:19:46.892" v="362" actId="5736"/>
+      <pc:chgData name="David Viggiano" userId="c7a197fbcb7db713" providerId="LiveId" clId="{3B50D52C-BE19-2C48-BFEF-D0014175D0DA}" dt="2024-02-28T05:30:12.932" v="391" actId="5736"/>
       <pc:docMkLst>
         <pc:docMk/>
       </pc:docMkLst>
       <pc:sldChg chg="addSp modSp mod">
-        <pc:chgData name="David Viggiano" userId="c7a197fbcb7db713" providerId="LiveId" clId="{3B50D52C-BE19-2C48-BFEF-D0014175D0DA}" dt="2024-02-27T00:19:46.892" v="362" actId="5736"/>
+        <pc:chgData name="David Viggiano" userId="c7a197fbcb7db713" providerId="LiveId" clId="{3B50D52C-BE19-2C48-BFEF-D0014175D0DA}" dt="2024-02-28T05:30:12.932" v="391" actId="5736"/>
         <pc:sldMkLst>
           <pc:docMk/>
           <pc:sldMk cId="2957575420" sldId="258"/>
         </pc:sldMkLst>
         <pc:spChg chg="add mod">
-          <ac:chgData name="David Viggiano" userId="c7a197fbcb7db713" providerId="LiveId" clId="{3B50D52C-BE19-2C48-BFEF-D0014175D0DA}" dt="2024-02-27T00:19:46.892" v="362" actId="5736"/>
+          <ac:chgData name="David Viggiano" userId="c7a197fbcb7db713" providerId="LiveId" clId="{3B50D52C-BE19-2C48-BFEF-D0014175D0DA}" dt="2024-02-28T05:30:12.932" v="391" actId="5736"/>
           <ac:spMkLst>
             <pc:docMk/>
             <pc:sldMk cId="2957575420" sldId="258"/>
@@ -147,7 +147,7 @@
           </ac:spMkLst>
         </pc:spChg>
         <pc:spChg chg="add mod">
-          <ac:chgData name="David Viggiano" userId="c7a197fbcb7db713" providerId="LiveId" clId="{3B50D52C-BE19-2C48-BFEF-D0014175D0DA}" dt="2024-02-27T00:19:46.892" v="362" actId="5736"/>
+          <ac:chgData name="David Viggiano" userId="c7a197fbcb7db713" providerId="LiveId" clId="{3B50D52C-BE19-2C48-BFEF-D0014175D0DA}" dt="2024-02-28T05:30:12.932" v="391" actId="5736"/>
           <ac:spMkLst>
             <pc:docMk/>
             <pc:sldMk cId="2957575420" sldId="258"/>
@@ -155,7 +155,7 @@
           </ac:spMkLst>
         </pc:spChg>
         <pc:spChg chg="add mod">
-          <ac:chgData name="David Viggiano" userId="c7a197fbcb7db713" providerId="LiveId" clId="{3B50D52C-BE19-2C48-BFEF-D0014175D0DA}" dt="2024-02-27T00:19:46.892" v="362" actId="5736"/>
+          <ac:chgData name="David Viggiano" userId="c7a197fbcb7db713" providerId="LiveId" clId="{3B50D52C-BE19-2C48-BFEF-D0014175D0DA}" dt="2024-02-28T05:30:12.932" v="391" actId="5736"/>
           <ac:spMkLst>
             <pc:docMk/>
             <pc:sldMk cId="2957575420" sldId="258"/>
@@ -163,7 +163,7 @@
           </ac:spMkLst>
         </pc:spChg>
         <pc:spChg chg="add mod">
-          <ac:chgData name="David Viggiano" userId="c7a197fbcb7db713" providerId="LiveId" clId="{3B50D52C-BE19-2C48-BFEF-D0014175D0DA}" dt="2024-02-27T00:19:46.892" v="362" actId="5736"/>
+          <ac:chgData name="David Viggiano" userId="c7a197fbcb7db713" providerId="LiveId" clId="{3B50D52C-BE19-2C48-BFEF-D0014175D0DA}" dt="2024-02-28T05:30:12.932" v="391" actId="5736"/>
           <ac:spMkLst>
             <pc:docMk/>
             <pc:sldMk cId="2957575420" sldId="258"/>
@@ -171,15 +171,23 @@
           </ac:spMkLst>
         </pc:spChg>
         <pc:spChg chg="add mod">
-          <ac:chgData name="David Viggiano" userId="c7a197fbcb7db713" providerId="LiveId" clId="{3B50D52C-BE19-2C48-BFEF-D0014175D0DA}" dt="2024-02-27T00:19:46.892" v="362" actId="5736"/>
+          <ac:chgData name="David Viggiano" userId="c7a197fbcb7db713" providerId="LiveId" clId="{3B50D52C-BE19-2C48-BFEF-D0014175D0DA}" dt="2024-02-28T05:30:12.932" v="391" actId="5736"/>
           <ac:spMkLst>
             <pc:docMk/>
             <pc:sldMk cId="2957575420" sldId="258"/>
             <ac:spMk id="14" creationId="{DC62A4FE-13AF-47CC-01E1-449EF2F580E5}"/>
           </ac:spMkLst>
         </pc:spChg>
+        <pc:spChg chg="add mod">
+          <ac:chgData name="David Viggiano" userId="c7a197fbcb7db713" providerId="LiveId" clId="{3B50D52C-BE19-2C48-BFEF-D0014175D0DA}" dt="2024-02-28T05:30:12.932" v="391" actId="5736"/>
+          <ac:spMkLst>
+            <pc:docMk/>
+            <pc:sldMk cId="2957575420" sldId="258"/>
+            <ac:spMk id="16" creationId="{4137CE0B-DE67-5568-22E8-D554F1EAD14B}"/>
+          </ac:spMkLst>
+        </pc:spChg>
         <pc:spChg chg="mod">
-          <ac:chgData name="David Viggiano" userId="c7a197fbcb7db713" providerId="LiveId" clId="{3B50D52C-BE19-2C48-BFEF-D0014175D0DA}" dt="2024-02-27T00:19:46.892" v="362" actId="5736"/>
+          <ac:chgData name="David Viggiano" userId="c7a197fbcb7db713" providerId="LiveId" clId="{3B50D52C-BE19-2C48-BFEF-D0014175D0DA}" dt="2024-02-28T05:30:12.932" v="391" actId="5736"/>
           <ac:spMkLst>
             <pc:docMk/>
             <pc:sldMk cId="2957575420" sldId="258"/>
@@ -187,7 +195,7 @@
           </ac:spMkLst>
         </pc:spChg>
         <pc:spChg chg="mod">
-          <ac:chgData name="David Viggiano" userId="c7a197fbcb7db713" providerId="LiveId" clId="{3B50D52C-BE19-2C48-BFEF-D0014175D0DA}" dt="2024-02-27T00:19:46.892" v="362" actId="5736"/>
+          <ac:chgData name="David Viggiano" userId="c7a197fbcb7db713" providerId="LiveId" clId="{3B50D52C-BE19-2C48-BFEF-D0014175D0DA}" dt="2024-02-28T05:30:12.932" v="391" actId="5736"/>
           <ac:spMkLst>
             <pc:docMk/>
             <pc:sldMk cId="2957575420" sldId="258"/>
@@ -195,7 +203,7 @@
           </ac:spMkLst>
         </pc:spChg>
         <pc:spChg chg="mod">
-          <ac:chgData name="David Viggiano" userId="c7a197fbcb7db713" providerId="LiveId" clId="{3B50D52C-BE19-2C48-BFEF-D0014175D0DA}" dt="2024-02-27T00:19:46.892" v="362" actId="5736"/>
+          <ac:chgData name="David Viggiano" userId="c7a197fbcb7db713" providerId="LiveId" clId="{3B50D52C-BE19-2C48-BFEF-D0014175D0DA}" dt="2024-02-28T05:30:12.932" v="391" actId="5736"/>
           <ac:spMkLst>
             <pc:docMk/>
             <pc:sldMk cId="2957575420" sldId="258"/>
@@ -203,7 +211,7 @@
           </ac:spMkLst>
         </pc:spChg>
         <pc:spChg chg="mod">
-          <ac:chgData name="David Viggiano" userId="c7a197fbcb7db713" providerId="LiveId" clId="{3B50D52C-BE19-2C48-BFEF-D0014175D0DA}" dt="2024-02-27T00:19:46.892" v="362" actId="5736"/>
+          <ac:chgData name="David Viggiano" userId="c7a197fbcb7db713" providerId="LiveId" clId="{3B50D52C-BE19-2C48-BFEF-D0014175D0DA}" dt="2024-02-28T05:30:12.932" v="391" actId="5736"/>
           <ac:spMkLst>
             <pc:docMk/>
             <pc:sldMk cId="2957575420" sldId="258"/>
@@ -211,7 +219,7 @@
           </ac:spMkLst>
         </pc:spChg>
         <pc:spChg chg="mod">
-          <ac:chgData name="David Viggiano" userId="c7a197fbcb7db713" providerId="LiveId" clId="{3B50D52C-BE19-2C48-BFEF-D0014175D0DA}" dt="2024-02-27T00:19:46.892" v="362" actId="5736"/>
+          <ac:chgData name="David Viggiano" userId="c7a197fbcb7db713" providerId="LiveId" clId="{3B50D52C-BE19-2C48-BFEF-D0014175D0DA}" dt="2024-02-28T05:30:12.932" v="391" actId="5736"/>
           <ac:spMkLst>
             <pc:docMk/>
             <pc:sldMk cId="2957575420" sldId="258"/>
@@ -219,7 +227,7 @@
           </ac:spMkLst>
         </pc:spChg>
         <pc:spChg chg="mod">
-          <ac:chgData name="David Viggiano" userId="c7a197fbcb7db713" providerId="LiveId" clId="{3B50D52C-BE19-2C48-BFEF-D0014175D0DA}" dt="2024-02-27T00:19:46.892" v="362" actId="5736"/>
+          <ac:chgData name="David Viggiano" userId="c7a197fbcb7db713" providerId="LiveId" clId="{3B50D52C-BE19-2C48-BFEF-D0014175D0DA}" dt="2024-02-28T05:30:12.932" v="391" actId="5736"/>
           <ac:spMkLst>
             <pc:docMk/>
             <pc:sldMk cId="2957575420" sldId="258"/>
@@ -227,7 +235,7 @@
           </ac:spMkLst>
         </pc:spChg>
         <pc:spChg chg="mod">
-          <ac:chgData name="David Viggiano" userId="c7a197fbcb7db713" providerId="LiveId" clId="{3B50D52C-BE19-2C48-BFEF-D0014175D0DA}" dt="2024-02-27T00:19:46.892" v="362" actId="5736"/>
+          <ac:chgData name="David Viggiano" userId="c7a197fbcb7db713" providerId="LiveId" clId="{3B50D52C-BE19-2C48-BFEF-D0014175D0DA}" dt="2024-02-28T05:30:12.932" v="391" actId="5736"/>
           <ac:spMkLst>
             <pc:docMk/>
             <pc:sldMk cId="2957575420" sldId="258"/>
@@ -235,7 +243,7 @@
           </ac:spMkLst>
         </pc:spChg>
         <pc:spChg chg="mod">
-          <ac:chgData name="David Viggiano" userId="c7a197fbcb7db713" providerId="LiveId" clId="{3B50D52C-BE19-2C48-BFEF-D0014175D0DA}" dt="2024-02-27T00:19:46.892" v="362" actId="5736"/>
+          <ac:chgData name="David Viggiano" userId="c7a197fbcb7db713" providerId="LiveId" clId="{3B50D52C-BE19-2C48-BFEF-D0014175D0DA}" dt="2024-02-28T05:30:12.932" v="391" actId="5736"/>
           <ac:spMkLst>
             <pc:docMk/>
             <pc:sldMk cId="2957575420" sldId="258"/>
@@ -243,15 +251,15 @@
           </ac:spMkLst>
         </pc:spChg>
         <pc:graphicFrameChg chg="add mod modGraphic">
-          <ac:chgData name="David Viggiano" userId="c7a197fbcb7db713" providerId="LiveId" clId="{3B50D52C-BE19-2C48-BFEF-D0014175D0DA}" dt="2024-02-27T00:19:46.892" v="362" actId="5736"/>
+          <ac:chgData name="David Viggiano" userId="c7a197fbcb7db713" providerId="LiveId" clId="{3B50D52C-BE19-2C48-BFEF-D0014175D0DA}" dt="2024-02-28T05:30:12.932" v="391" actId="5736"/>
           <ac:graphicFrameMkLst>
             <pc:docMk/>
             <pc:sldMk cId="2957575420" sldId="258"/>
             <ac:graphicFrameMk id="9" creationId="{F8B2FBF1-972B-084B-AE18-6DA445A7951D}"/>
           </ac:graphicFrameMkLst>
         </pc:graphicFrameChg>
-        <pc:graphicFrameChg chg="mod">
-          <ac:chgData name="David Viggiano" userId="c7a197fbcb7db713" providerId="LiveId" clId="{3B50D52C-BE19-2C48-BFEF-D0014175D0DA}" dt="2024-02-27T00:19:46.892" v="362" actId="5736"/>
+        <pc:graphicFrameChg chg="mod modGraphic">
+          <ac:chgData name="David Viggiano" userId="c7a197fbcb7db713" providerId="LiveId" clId="{3B50D52C-BE19-2C48-BFEF-D0014175D0DA}" dt="2024-02-28T05:30:12.932" v="391" actId="5736"/>
           <ac:graphicFrameMkLst>
             <pc:docMk/>
             <pc:sldMk cId="2957575420" sldId="258"/>
@@ -259,7 +267,7 @@
           </ac:graphicFrameMkLst>
         </pc:graphicFrameChg>
         <pc:graphicFrameChg chg="mod">
-          <ac:chgData name="David Viggiano" userId="c7a197fbcb7db713" providerId="LiveId" clId="{3B50D52C-BE19-2C48-BFEF-D0014175D0DA}" dt="2024-02-27T00:19:46.892" v="362" actId="5736"/>
+          <ac:chgData name="David Viggiano" userId="c7a197fbcb7db713" providerId="LiveId" clId="{3B50D52C-BE19-2C48-BFEF-D0014175D0DA}" dt="2024-02-28T05:30:12.932" v="391" actId="5736"/>
           <ac:graphicFrameMkLst>
             <pc:docMk/>
             <pc:sldMk cId="2957575420" sldId="258"/>
@@ -267,7 +275,7 @@
           </ac:graphicFrameMkLst>
         </pc:graphicFrameChg>
         <pc:graphicFrameChg chg="add mod modGraphic">
-          <ac:chgData name="David Viggiano" userId="c7a197fbcb7db713" providerId="LiveId" clId="{3B50D52C-BE19-2C48-BFEF-D0014175D0DA}" dt="2024-02-27T00:19:46.892" v="362" actId="5736"/>
+          <ac:chgData name="David Viggiano" userId="c7a197fbcb7db713" providerId="LiveId" clId="{3B50D52C-BE19-2C48-BFEF-D0014175D0DA}" dt="2024-02-28T05:30:12.932" v="391" actId="5736"/>
           <ac:graphicFrameMkLst>
             <pc:docMk/>
             <pc:sldMk cId="2957575420" sldId="258"/>
@@ -275,7 +283,7 @@
           </ac:graphicFrameMkLst>
         </pc:graphicFrameChg>
         <pc:graphicFrameChg chg="mod">
-          <ac:chgData name="David Viggiano" userId="c7a197fbcb7db713" providerId="LiveId" clId="{3B50D52C-BE19-2C48-BFEF-D0014175D0DA}" dt="2024-02-27T00:19:46.892" v="362" actId="5736"/>
+          <ac:chgData name="David Viggiano" userId="c7a197fbcb7db713" providerId="LiveId" clId="{3B50D52C-BE19-2C48-BFEF-D0014175D0DA}" dt="2024-02-28T05:30:12.932" v="391" actId="5736"/>
           <ac:graphicFrameMkLst>
             <pc:docMk/>
             <pc:sldMk cId="2957575420" sldId="258"/>
@@ -283,7 +291,7 @@
           </ac:graphicFrameMkLst>
         </pc:graphicFrameChg>
         <pc:cxnChg chg="add mod">
-          <ac:chgData name="David Viggiano" userId="c7a197fbcb7db713" providerId="LiveId" clId="{3B50D52C-BE19-2C48-BFEF-D0014175D0DA}" dt="2024-02-27T00:19:46.892" v="362" actId="5736"/>
+          <ac:chgData name="David Viggiano" userId="c7a197fbcb7db713" providerId="LiveId" clId="{3B50D52C-BE19-2C48-BFEF-D0014175D0DA}" dt="2024-02-28T05:30:12.932" v="391" actId="5736"/>
           <ac:cxnSpMkLst>
             <pc:docMk/>
             <pc:sldMk cId="2957575420" sldId="258"/>
@@ -291,7 +299,7 @@
           </ac:cxnSpMkLst>
         </pc:cxnChg>
         <pc:cxnChg chg="add mod">
-          <ac:chgData name="David Viggiano" userId="c7a197fbcb7db713" providerId="LiveId" clId="{3B50D52C-BE19-2C48-BFEF-D0014175D0DA}" dt="2024-02-27T00:19:46.892" v="362" actId="5736"/>
+          <ac:chgData name="David Viggiano" userId="c7a197fbcb7db713" providerId="LiveId" clId="{3B50D52C-BE19-2C48-BFEF-D0014175D0DA}" dt="2024-02-28T05:30:12.932" v="391" actId="5736"/>
           <ac:cxnSpMkLst>
             <pc:docMk/>
             <pc:sldMk cId="2957575420" sldId="258"/>
@@ -299,7 +307,7 @@
           </ac:cxnSpMkLst>
         </pc:cxnChg>
         <pc:cxnChg chg="add mod">
-          <ac:chgData name="David Viggiano" userId="c7a197fbcb7db713" providerId="LiveId" clId="{3B50D52C-BE19-2C48-BFEF-D0014175D0DA}" dt="2024-02-27T00:19:46.892" v="362" actId="5736"/>
+          <ac:chgData name="David Viggiano" userId="c7a197fbcb7db713" providerId="LiveId" clId="{3B50D52C-BE19-2C48-BFEF-D0014175D0DA}" dt="2024-02-28T05:30:12.932" v="391" actId="5736"/>
           <ac:cxnSpMkLst>
             <pc:docMk/>
             <pc:sldMk cId="2957575420" sldId="258"/>
@@ -307,7 +315,7 @@
           </ac:cxnSpMkLst>
         </pc:cxnChg>
         <pc:cxnChg chg="mod">
-          <ac:chgData name="David Viggiano" userId="c7a197fbcb7db713" providerId="LiveId" clId="{3B50D52C-BE19-2C48-BFEF-D0014175D0DA}" dt="2024-02-27T00:19:46.892" v="362" actId="5736"/>
+          <ac:chgData name="David Viggiano" userId="c7a197fbcb7db713" providerId="LiveId" clId="{3B50D52C-BE19-2C48-BFEF-D0014175D0DA}" dt="2024-02-28T05:30:12.932" v="391" actId="5736"/>
           <ac:cxnSpMkLst>
             <pc:docMk/>
             <pc:sldMk cId="2957575420" sldId="258"/>
@@ -315,7 +323,7 @@
           </ac:cxnSpMkLst>
         </pc:cxnChg>
         <pc:cxnChg chg="mod">
-          <ac:chgData name="David Viggiano" userId="c7a197fbcb7db713" providerId="LiveId" clId="{3B50D52C-BE19-2C48-BFEF-D0014175D0DA}" dt="2024-02-27T00:19:46.892" v="362" actId="5736"/>
+          <ac:chgData name="David Viggiano" userId="c7a197fbcb7db713" providerId="LiveId" clId="{3B50D52C-BE19-2C48-BFEF-D0014175D0DA}" dt="2024-02-28T05:30:12.932" v="391" actId="5736"/>
           <ac:cxnSpMkLst>
             <pc:docMk/>
             <pc:sldMk cId="2957575420" sldId="258"/>
@@ -323,7 +331,7 @@
           </ac:cxnSpMkLst>
         </pc:cxnChg>
         <pc:cxnChg chg="mod">
-          <ac:chgData name="David Viggiano" userId="c7a197fbcb7db713" providerId="LiveId" clId="{3B50D52C-BE19-2C48-BFEF-D0014175D0DA}" dt="2024-02-27T00:19:46.892" v="362" actId="5736"/>
+          <ac:chgData name="David Viggiano" userId="c7a197fbcb7db713" providerId="LiveId" clId="{3B50D52C-BE19-2C48-BFEF-D0014175D0DA}" dt="2024-02-28T05:30:12.932" v="391" actId="5736"/>
           <ac:cxnSpMkLst>
             <pc:docMk/>
             <pc:sldMk cId="2957575420" sldId="258"/>
@@ -331,7 +339,7 @@
           </ac:cxnSpMkLst>
         </pc:cxnChg>
         <pc:cxnChg chg="mod">
-          <ac:chgData name="David Viggiano" userId="c7a197fbcb7db713" providerId="LiveId" clId="{3B50D52C-BE19-2C48-BFEF-D0014175D0DA}" dt="2024-02-27T00:19:46.892" v="362" actId="5736"/>
+          <ac:chgData name="David Viggiano" userId="c7a197fbcb7db713" providerId="LiveId" clId="{3B50D52C-BE19-2C48-BFEF-D0014175D0DA}" dt="2024-02-28T05:30:12.932" v="391" actId="5736"/>
           <ac:cxnSpMkLst>
             <pc:docMk/>
             <pc:sldMk cId="2957575420" sldId="258"/>
@@ -339,7 +347,7 @@
           </ac:cxnSpMkLst>
         </pc:cxnChg>
         <pc:cxnChg chg="mod">
-          <ac:chgData name="David Viggiano" userId="c7a197fbcb7db713" providerId="LiveId" clId="{3B50D52C-BE19-2C48-BFEF-D0014175D0DA}" dt="2024-02-27T00:19:46.892" v="362" actId="5736"/>
+          <ac:chgData name="David Viggiano" userId="c7a197fbcb7db713" providerId="LiveId" clId="{3B50D52C-BE19-2C48-BFEF-D0014175D0DA}" dt="2024-02-28T05:30:12.932" v="391" actId="5736"/>
           <ac:cxnSpMkLst>
             <pc:docMk/>
             <pc:sldMk cId="2957575420" sldId="258"/>
@@ -347,7 +355,7 @@
           </ac:cxnSpMkLst>
         </pc:cxnChg>
         <pc:cxnChg chg="mod">
-          <ac:chgData name="David Viggiano" userId="c7a197fbcb7db713" providerId="LiveId" clId="{3B50D52C-BE19-2C48-BFEF-D0014175D0DA}" dt="2024-02-27T00:19:46.892" v="362" actId="5736"/>
+          <ac:chgData name="David Viggiano" userId="c7a197fbcb7db713" providerId="LiveId" clId="{3B50D52C-BE19-2C48-BFEF-D0014175D0DA}" dt="2024-02-28T05:30:12.932" v="391" actId="5736"/>
           <ac:cxnSpMkLst>
             <pc:docMk/>
             <pc:sldMk cId="2957575420" sldId="258"/>
@@ -507,7 +515,7 @@
           <a:p>
             <a:fld id="{19677C02-9FA9-F74D-89C2-FBA48B1B8578}" type="datetimeFigureOut">
               <a:rPr lang="en-US" smtClean="0"/>
-              <a:t>2/26/24</a:t>
+              <a:t>2/27/24</a:t>
             </a:fld>
             <a:endParaRPr lang="en-US"/>
           </a:p>
@@ -705,7 +713,7 @@
           <a:p>
             <a:fld id="{19677C02-9FA9-F74D-89C2-FBA48B1B8578}" type="datetimeFigureOut">
               <a:rPr lang="en-US" smtClean="0"/>
-              <a:t>2/26/24</a:t>
+              <a:t>2/27/24</a:t>
             </a:fld>
             <a:endParaRPr lang="en-US"/>
           </a:p>
@@ -913,7 +921,7 @@
           <a:p>
             <a:fld id="{19677C02-9FA9-F74D-89C2-FBA48B1B8578}" type="datetimeFigureOut">
               <a:rPr lang="en-US" smtClean="0"/>
-              <a:t>2/26/24</a:t>
+              <a:t>2/27/24</a:t>
             </a:fld>
             <a:endParaRPr lang="en-US"/>
           </a:p>
@@ -1111,7 +1119,7 @@
           <a:p>
             <a:fld id="{19677C02-9FA9-F74D-89C2-FBA48B1B8578}" type="datetimeFigureOut">
               <a:rPr lang="en-US" smtClean="0"/>
-              <a:t>2/26/24</a:t>
+              <a:t>2/27/24</a:t>
             </a:fld>
             <a:endParaRPr lang="en-US"/>
           </a:p>
@@ -1386,7 +1394,7 @@
           <a:p>
             <a:fld id="{19677C02-9FA9-F74D-89C2-FBA48B1B8578}" type="datetimeFigureOut">
               <a:rPr lang="en-US" smtClean="0"/>
-              <a:t>2/26/24</a:t>
+              <a:t>2/27/24</a:t>
             </a:fld>
             <a:endParaRPr lang="en-US"/>
           </a:p>
@@ -1651,7 +1659,7 @@
           <a:p>
             <a:fld id="{19677C02-9FA9-F74D-89C2-FBA48B1B8578}" type="datetimeFigureOut">
               <a:rPr lang="en-US" smtClean="0"/>
-              <a:t>2/26/24</a:t>
+              <a:t>2/27/24</a:t>
             </a:fld>
             <a:endParaRPr lang="en-US"/>
           </a:p>
@@ -2063,7 +2071,7 @@
           <a:p>
             <a:fld id="{19677C02-9FA9-F74D-89C2-FBA48B1B8578}" type="datetimeFigureOut">
               <a:rPr lang="en-US" smtClean="0"/>
-              <a:t>2/26/24</a:t>
+              <a:t>2/27/24</a:t>
             </a:fld>
             <a:endParaRPr lang="en-US"/>
           </a:p>
@@ -2204,7 +2212,7 @@
           <a:p>
             <a:fld id="{19677C02-9FA9-F74D-89C2-FBA48B1B8578}" type="datetimeFigureOut">
               <a:rPr lang="en-US" smtClean="0"/>
-              <a:t>2/26/24</a:t>
+              <a:t>2/27/24</a:t>
             </a:fld>
             <a:endParaRPr lang="en-US"/>
           </a:p>
@@ -2317,7 +2325,7 @@
           <a:p>
             <a:fld id="{19677C02-9FA9-F74D-89C2-FBA48B1B8578}" type="datetimeFigureOut">
               <a:rPr lang="en-US" smtClean="0"/>
-              <a:t>2/26/24</a:t>
+              <a:t>2/27/24</a:t>
             </a:fld>
             <a:endParaRPr lang="en-US"/>
           </a:p>
@@ -2628,7 +2636,7 @@
           <a:p>
             <a:fld id="{19677C02-9FA9-F74D-89C2-FBA48B1B8578}" type="datetimeFigureOut">
               <a:rPr lang="en-US" smtClean="0"/>
-              <a:t>2/26/24</a:t>
+              <a:t>2/27/24</a:t>
             </a:fld>
             <a:endParaRPr lang="en-US"/>
           </a:p>
@@ -2916,7 +2924,7 @@
           <a:p>
             <a:fld id="{19677C02-9FA9-F74D-89C2-FBA48B1B8578}" type="datetimeFigureOut">
               <a:rPr lang="en-US" smtClean="0"/>
-              <a:t>2/26/24</a:t>
+              <a:t>2/27/24</a:t>
             </a:fld>
             <a:endParaRPr lang="en-US"/>
           </a:p>
@@ -3157,7 +3165,7 @@
           <a:p>
             <a:fld id="{19677C02-9FA9-F74D-89C2-FBA48B1B8578}" type="datetimeFigureOut">
               <a:rPr lang="en-US" smtClean="0"/>
-              <a:t>2/26/24</a:t>
+              <a:t>2/27/24</a:t>
             </a:fld>
             <a:endParaRPr lang="en-US"/>
           </a:p>
@@ -5152,14 +5160,14 @@
           <p:nvPr>
             <p:extLst>
               <p:ext uri="{D42A27DB-BD31-4B8C-83A1-F6EECF244321}">
-                <p14:modId xmlns:p14="http://schemas.microsoft.com/office/powerpoint/2010/main" val="1174440897"/>
+                <p14:modId xmlns:p14="http://schemas.microsoft.com/office/powerpoint/2010/main" val="533687011"/>
               </p:ext>
             </p:extLst>
           </p:nvPr>
         </p:nvGraphicFramePr>
         <p:xfrm>
-          <a:off x="75936" y="4552395"/>
-          <a:ext cx="6460947" cy="1483360"/>
+          <a:off x="75936" y="4552394"/>
+          <a:ext cx="6460947" cy="1236531"/>
         </p:xfrm>
         <a:graphic>
           <a:graphicData uri="http://schemas.openxmlformats.org/drawingml/2006/table">
@@ -5190,7 +5198,7 @@
                   </a:extLst>
                 </a:gridCol>
               </a:tblGrid>
-              <a:tr h="370840">
+              <a:tr h="412177">
                 <a:tc gridSpan="3">
                   <a:txBody>
                     <a:bodyPr/>
@@ -5276,7 +5284,7 @@
                   </a:ext>
                 </a:extLst>
               </a:tr>
-              <a:tr h="370840">
+              <a:tr h="412177">
                 <a:tc>
                   <a:txBody>
                     <a:bodyPr/>
@@ -5454,7 +5462,7 @@
                   </a:ext>
                 </a:extLst>
               </a:tr>
-              <a:tr h="370840">
+              <a:tr h="412177">
                 <a:tc>
                   <a:txBody>
                     <a:bodyPr/>
@@ -5640,186 +5648,6 @@
                   </a:ext>
                 </a:extLst>
               </a:tr>
-              <a:tr h="370840">
-                <a:tc>
-                  <a:txBody>
-                    <a:bodyPr/>
-                    <a:lstStyle/>
-                    <a:p>
-                      <a:r>
-                        <a:rPr lang="en-US" dirty="0">
-                          <a:solidFill>
-                            <a:schemeClr val="tx1"/>
-                          </a:solidFill>
-                        </a:rPr>
-                        <a:t>string</a:t>
-                      </a:r>
-                    </a:p>
-                  </a:txBody>
-                  <a:tcPr>
-                    <a:lnL w="12700" cap="flat" cmpd="sng" algn="ctr">
-                      <a:solidFill>
-                        <a:schemeClr val="tx1"/>
-                      </a:solidFill>
-                      <a:prstDash val="solid"/>
-                      <a:round/>
-                      <a:headEnd type="none" w="med" len="med"/>
-                      <a:tailEnd type="none" w="med" len="med"/>
-                    </a:lnL>
-                    <a:lnR w="12700" cap="flat" cmpd="sng" algn="ctr">
-                      <a:solidFill>
-                        <a:schemeClr val="tx1"/>
-                      </a:solidFill>
-                      <a:prstDash val="solid"/>
-                      <a:round/>
-                      <a:headEnd type="none" w="med" len="med"/>
-                      <a:tailEnd type="none" w="med" len="med"/>
-                    </a:lnR>
-                    <a:lnT w="12700" cap="flat" cmpd="sng" algn="ctr">
-                      <a:solidFill>
-                        <a:schemeClr val="tx1"/>
-                      </a:solidFill>
-                      <a:prstDash val="solid"/>
-                      <a:round/>
-                      <a:headEnd type="none" w="med" len="med"/>
-                      <a:tailEnd type="none" w="med" len="med"/>
-                    </a:lnT>
-                    <a:lnB w="12700" cap="flat" cmpd="sng" algn="ctr">
-                      <a:solidFill>
-                        <a:schemeClr val="tx1"/>
-                      </a:solidFill>
-                      <a:prstDash val="solid"/>
-                      <a:round/>
-                      <a:headEnd type="none" w="med" len="med"/>
-                      <a:tailEnd type="none" w="med" len="med"/>
-                    </a:lnB>
-                    <a:solidFill>
-                      <a:srgbClr val="F2F2F2"/>
-                    </a:solidFill>
-                  </a:tcPr>
-                </a:tc>
-                <a:tc>
-                  <a:txBody>
-                    <a:bodyPr/>
-                    <a:lstStyle/>
-                    <a:p>
-                      <a:r>
-                        <a:rPr lang="en-US" dirty="0" err="1">
-                          <a:solidFill>
-                            <a:schemeClr val="tx1"/>
-                          </a:solidFill>
-                        </a:rPr>
-                        <a:t>encrypted_password</a:t>
-                      </a:r>
-                      <a:endParaRPr lang="en-US" dirty="0">
-                        <a:solidFill>
-                          <a:schemeClr val="tx1"/>
-                        </a:solidFill>
-                      </a:endParaRPr>
-                    </a:p>
-                  </a:txBody>
-                  <a:tcPr>
-                    <a:lnL w="12700" cap="flat" cmpd="sng" algn="ctr">
-                      <a:solidFill>
-                        <a:schemeClr val="tx1"/>
-                      </a:solidFill>
-                      <a:prstDash val="solid"/>
-                      <a:round/>
-                      <a:headEnd type="none" w="med" len="med"/>
-                      <a:tailEnd type="none" w="med" len="med"/>
-                    </a:lnL>
-                    <a:lnR w="12700" cap="flat" cmpd="sng" algn="ctr">
-                      <a:solidFill>
-                        <a:schemeClr val="tx1"/>
-                      </a:solidFill>
-                      <a:prstDash val="solid"/>
-                      <a:round/>
-                      <a:headEnd type="none" w="med" len="med"/>
-                      <a:tailEnd type="none" w="med" len="med"/>
-                    </a:lnR>
-                    <a:lnT w="12700" cap="flat" cmpd="sng" algn="ctr">
-                      <a:solidFill>
-                        <a:schemeClr val="tx1"/>
-                      </a:solidFill>
-                      <a:prstDash val="solid"/>
-                      <a:round/>
-                      <a:headEnd type="none" w="med" len="med"/>
-                      <a:tailEnd type="none" w="med" len="med"/>
-                    </a:lnT>
-                    <a:lnB w="12700" cap="flat" cmpd="sng" algn="ctr">
-                      <a:solidFill>
-                        <a:schemeClr val="tx1"/>
-                      </a:solidFill>
-                      <a:prstDash val="solid"/>
-                      <a:round/>
-                      <a:headEnd type="none" w="med" len="med"/>
-                      <a:tailEnd type="none" w="med" len="med"/>
-                    </a:lnB>
-                    <a:solidFill>
-                      <a:srgbClr val="F2F2F2"/>
-                    </a:solidFill>
-                  </a:tcPr>
-                </a:tc>
-                <a:tc>
-                  <a:txBody>
-                    <a:bodyPr/>
-                    <a:lstStyle/>
-                    <a:p>
-                      <a:endParaRPr lang="en-US" dirty="0">
-                        <a:solidFill>
-                          <a:schemeClr val="tx1"/>
-                        </a:solidFill>
-                      </a:endParaRPr>
-                    </a:p>
-                  </a:txBody>
-                  <a:tcPr>
-                    <a:lnL w="12700" cap="flat" cmpd="sng" algn="ctr">
-                      <a:solidFill>
-                        <a:schemeClr val="tx1"/>
-                      </a:solidFill>
-                      <a:prstDash val="solid"/>
-                      <a:round/>
-                      <a:headEnd type="none" w="med" len="med"/>
-                      <a:tailEnd type="none" w="med" len="med"/>
-                    </a:lnL>
-                    <a:lnR w="12700" cap="flat" cmpd="sng" algn="ctr">
-                      <a:solidFill>
-                        <a:schemeClr val="tx1"/>
-                      </a:solidFill>
-                      <a:prstDash val="solid"/>
-                      <a:round/>
-                      <a:headEnd type="none" w="med" len="med"/>
-                      <a:tailEnd type="none" w="med" len="med"/>
-                    </a:lnR>
-                    <a:lnT w="12700" cap="flat" cmpd="sng" algn="ctr">
-                      <a:solidFill>
-                        <a:schemeClr val="tx1"/>
-                      </a:solidFill>
-                      <a:prstDash val="solid"/>
-                      <a:round/>
-                      <a:headEnd type="none" w="med" len="med"/>
-                      <a:tailEnd type="none" w="med" len="med"/>
-                    </a:lnT>
-                    <a:lnB w="12700" cap="flat" cmpd="sng" algn="ctr">
-                      <a:solidFill>
-                        <a:schemeClr val="tx1"/>
-                      </a:solidFill>
-                      <a:prstDash val="solid"/>
-                      <a:round/>
-                      <a:headEnd type="none" w="med" len="med"/>
-                      <a:tailEnd type="none" w="med" len="med"/>
-                    </a:lnB>
-                    <a:solidFill>
-                      <a:srgbClr val="F2F2F2"/>
-                    </a:solidFill>
-                  </a:tcPr>
-                </a:tc>
-                <a:extLst>
-                  <a:ext uri="{0D108BD9-81ED-4DB2-BD59-A6C34878D82A}">
-                    <a16:rowId xmlns:a16="http://schemas.microsoft.com/office/drawing/2014/main" val="941292690"/>
-                  </a:ext>
-                </a:extLst>
-              </a:tr>
             </a:tbl>
           </a:graphicData>
         </a:graphic>
@@ -5839,7 +5667,7 @@
           <p:nvPr>
             <p:extLst>
               <p:ext uri="{D42A27DB-BD31-4B8C-83A1-F6EECF244321}">
-                <p14:modId xmlns:p14="http://schemas.microsoft.com/office/powerpoint/2010/main" val="532772517"/>
+                <p14:modId xmlns:p14="http://schemas.microsoft.com/office/powerpoint/2010/main" val="2622061748"/>
               </p:ext>
             </p:extLst>
           </p:nvPr>
@@ -7081,7 +6909,7 @@
           <p:nvPr>
             <p:extLst>
               <p:ext uri="{D42A27DB-BD31-4B8C-83A1-F6EECF244321}">
-                <p14:modId xmlns:p14="http://schemas.microsoft.com/office/powerpoint/2010/main" val="1699734346"/>
+                <p14:modId xmlns:p14="http://schemas.microsoft.com/office/powerpoint/2010/main" val="3790173554"/>
               </p:ext>
             </p:extLst>
           </p:nvPr>
@@ -7603,7 +7431,7 @@
         <p:spPr>
           <a:xfrm flipH="1">
             <a:off x="3306409" y="3061546"/>
-            <a:ext cx="5082" cy="1490849"/>
+            <a:ext cx="5082" cy="1490848"/>
           </a:xfrm>
           <a:prstGeom prst="line">
             <a:avLst/>
@@ -8688,14 +8516,14 @@
           <p:nvPr>
             <p:extLst>
               <p:ext uri="{D42A27DB-BD31-4B8C-83A1-F6EECF244321}">
-                <p14:modId xmlns:p14="http://schemas.microsoft.com/office/powerpoint/2010/main" val="3250796831"/>
+                <p14:modId xmlns:p14="http://schemas.microsoft.com/office/powerpoint/2010/main" val="974684179"/>
               </p:ext>
             </p:extLst>
           </p:nvPr>
         </p:nvGraphicFramePr>
         <p:xfrm>
           <a:off x="8541762" y="4809241"/>
-          <a:ext cx="4536966" cy="1107440"/>
+          <a:ext cx="4536966" cy="1478280"/>
         </p:xfrm>
         <a:graphic>
           <a:graphicData uri="http://schemas.openxmlformats.org/drawingml/2006/table">
@@ -9185,6 +9013,186 @@
                   </a:ext>
                 </a:extLst>
               </a:tr>
+              <a:tr h="370840">
+                <a:tc>
+                  <a:txBody>
+                    <a:bodyPr/>
+                    <a:lstStyle/>
+                    <a:p>
+                      <a:r>
+                        <a:rPr lang="en-US" dirty="0">
+                          <a:solidFill>
+                            <a:schemeClr val="tx1"/>
+                          </a:solidFill>
+                        </a:rPr>
+                        <a:t>string</a:t>
+                      </a:r>
+                    </a:p>
+                  </a:txBody>
+                  <a:tcPr>
+                    <a:lnL w="12700" cap="flat" cmpd="sng" algn="ctr">
+                      <a:solidFill>
+                        <a:schemeClr val="tx1"/>
+                      </a:solidFill>
+                      <a:prstDash val="solid"/>
+                      <a:round/>
+                      <a:headEnd type="none" w="med" len="med"/>
+                      <a:tailEnd type="none" w="med" len="med"/>
+                    </a:lnL>
+                    <a:lnR w="12700" cap="flat" cmpd="sng" algn="ctr">
+                      <a:solidFill>
+                        <a:schemeClr val="tx1"/>
+                      </a:solidFill>
+                      <a:prstDash val="solid"/>
+                      <a:round/>
+                      <a:headEnd type="none" w="med" len="med"/>
+                      <a:tailEnd type="none" w="med" len="med"/>
+                    </a:lnR>
+                    <a:lnT w="12700" cap="flat" cmpd="sng" algn="ctr">
+                      <a:solidFill>
+                        <a:schemeClr val="tx1"/>
+                      </a:solidFill>
+                      <a:prstDash val="solid"/>
+                      <a:round/>
+                      <a:headEnd type="none" w="med" len="med"/>
+                      <a:tailEnd type="none" w="med" len="med"/>
+                    </a:lnT>
+                    <a:lnB w="12700" cap="flat" cmpd="sng" algn="ctr">
+                      <a:solidFill>
+                        <a:schemeClr val="tx1"/>
+                      </a:solidFill>
+                      <a:prstDash val="solid"/>
+                      <a:round/>
+                      <a:headEnd type="none" w="med" len="med"/>
+                      <a:tailEnd type="none" w="med" len="med"/>
+                    </a:lnB>
+                    <a:solidFill>
+                      <a:srgbClr val="F2F2F2"/>
+                    </a:solidFill>
+                  </a:tcPr>
+                </a:tc>
+                <a:tc>
+                  <a:txBody>
+                    <a:bodyPr/>
+                    <a:lstStyle/>
+                    <a:p>
+                      <a:r>
+                        <a:rPr lang="en-US" dirty="0" err="1">
+                          <a:solidFill>
+                            <a:schemeClr val="tx1"/>
+                          </a:solidFill>
+                        </a:rPr>
+                        <a:t>display_name</a:t>
+                      </a:r>
+                      <a:endParaRPr lang="en-US" dirty="0">
+                        <a:solidFill>
+                          <a:schemeClr val="tx1"/>
+                        </a:solidFill>
+                      </a:endParaRPr>
+                    </a:p>
+                  </a:txBody>
+                  <a:tcPr>
+                    <a:lnL w="12700" cap="flat" cmpd="sng" algn="ctr">
+                      <a:solidFill>
+                        <a:schemeClr val="tx1"/>
+                      </a:solidFill>
+                      <a:prstDash val="solid"/>
+                      <a:round/>
+                      <a:headEnd type="none" w="med" len="med"/>
+                      <a:tailEnd type="none" w="med" len="med"/>
+                    </a:lnL>
+                    <a:lnR w="12700" cap="flat" cmpd="sng" algn="ctr">
+                      <a:solidFill>
+                        <a:schemeClr val="tx1"/>
+                      </a:solidFill>
+                      <a:prstDash val="solid"/>
+                      <a:round/>
+                      <a:headEnd type="none" w="med" len="med"/>
+                      <a:tailEnd type="none" w="med" len="med"/>
+                    </a:lnR>
+                    <a:lnT w="12700" cap="flat" cmpd="sng" algn="ctr">
+                      <a:solidFill>
+                        <a:schemeClr val="tx1"/>
+                      </a:solidFill>
+                      <a:prstDash val="solid"/>
+                      <a:round/>
+                      <a:headEnd type="none" w="med" len="med"/>
+                      <a:tailEnd type="none" w="med" len="med"/>
+                    </a:lnT>
+                    <a:lnB w="12700" cap="flat" cmpd="sng" algn="ctr">
+                      <a:solidFill>
+                        <a:schemeClr val="tx1"/>
+                      </a:solidFill>
+                      <a:prstDash val="solid"/>
+                      <a:round/>
+                      <a:headEnd type="none" w="med" len="med"/>
+                      <a:tailEnd type="none" w="med" len="med"/>
+                    </a:lnB>
+                    <a:solidFill>
+                      <a:srgbClr val="F2F2F2"/>
+                    </a:solidFill>
+                  </a:tcPr>
+                </a:tc>
+                <a:tc>
+                  <a:txBody>
+                    <a:bodyPr/>
+                    <a:lstStyle/>
+                    <a:p>
+                      <a:endParaRPr lang="en-US" dirty="0">
+                        <a:solidFill>
+                          <a:schemeClr val="tx1"/>
+                        </a:solidFill>
+                      </a:endParaRPr>
+                    </a:p>
+                  </a:txBody>
+                  <a:tcPr>
+                    <a:lnL w="12700" cap="flat" cmpd="sng" algn="ctr">
+                      <a:solidFill>
+                        <a:schemeClr val="tx1"/>
+                      </a:solidFill>
+                      <a:prstDash val="solid"/>
+                      <a:round/>
+                      <a:headEnd type="none" w="med" len="med"/>
+                      <a:tailEnd type="none" w="med" len="med"/>
+                    </a:lnL>
+                    <a:lnR w="12700" cap="flat" cmpd="sng" algn="ctr">
+                      <a:solidFill>
+                        <a:schemeClr val="tx1"/>
+                      </a:solidFill>
+                      <a:prstDash val="solid"/>
+                      <a:round/>
+                      <a:headEnd type="none" w="med" len="med"/>
+                      <a:tailEnd type="none" w="med" len="med"/>
+                    </a:lnR>
+                    <a:lnT w="12700" cap="flat" cmpd="sng" algn="ctr">
+                      <a:solidFill>
+                        <a:schemeClr val="tx1"/>
+                      </a:solidFill>
+                      <a:prstDash val="solid"/>
+                      <a:round/>
+                      <a:headEnd type="none" w="med" len="med"/>
+                      <a:tailEnd type="none" w="med" len="med"/>
+                    </a:lnT>
+                    <a:lnB w="12700" cap="flat" cmpd="sng" algn="ctr">
+                      <a:solidFill>
+                        <a:schemeClr val="tx1"/>
+                      </a:solidFill>
+                      <a:prstDash val="solid"/>
+                      <a:round/>
+                      <a:headEnd type="none" w="med" len="med"/>
+                      <a:tailEnd type="none" w="med" len="med"/>
+                    </a:lnB>
+                    <a:solidFill>
+                      <a:srgbClr val="F2F2F2"/>
+                    </a:solidFill>
+                  </a:tcPr>
+                </a:tc>
+                <a:extLst>
+                  <a:ext uri="{0D108BD9-81ED-4DB2-BD59-A6C34878D82A}">
+                    <a16:rowId xmlns:a16="http://schemas.microsoft.com/office/drawing/2014/main" val="937126763"/>
+                  </a:ext>
+                </a:extLst>
+              </a:tr>
             </a:tbl>
           </a:graphicData>
         </a:graphic>
@@ -9204,7 +9212,7 @@
           <p:nvPr>
             <p:extLst>
               <p:ext uri="{D42A27DB-BD31-4B8C-83A1-F6EECF244321}">
-                <p14:modId xmlns:p14="http://schemas.microsoft.com/office/powerpoint/2010/main" val="1347841386"/>
+                <p14:modId xmlns:p14="http://schemas.microsoft.com/office/powerpoint/2010/main" val="665120291"/>
               </p:ext>
             </p:extLst>
           </p:nvPr>
@@ -9779,6 +9787,38 @@
               </a:rPr>
               <a:t>Folders Contain Sequences</a:t>
             </a:r>
+          </a:p>
+        </p:txBody>
+      </p:sp>
+      <p:sp>
+        <p:nvSpPr>
+          <p:cNvPr id="16" name="TextBox 15">
+            <a:extLst>
+              <a:ext uri="{FF2B5EF4-FFF2-40B4-BE49-F238E27FC236}">
+                <a16:creationId xmlns:a16="http://schemas.microsoft.com/office/drawing/2014/main" id="{4137CE0B-DE67-5568-22E8-D554F1EAD14B}"/>
+              </a:ext>
+            </a:extLst>
+          </p:cNvPr>
+          <p:cNvSpPr txBox="1"/>
+          <p:nvPr/>
+        </p:nvSpPr>
+        <p:spPr>
+          <a:xfrm>
+            <a:off x="12118428" y="3531476"/>
+            <a:ext cx="184731" cy="369332"/>
+          </a:xfrm>
+          <a:prstGeom prst="rect">
+            <a:avLst/>
+          </a:prstGeom>
+          <a:noFill/>
+        </p:spPr>
+        <p:txBody>
+          <a:bodyPr wrap="none" rtlCol="0">
+            <a:spAutoFit/>
+          </a:bodyPr>
+          <a:lstStyle/>
+          <a:p>
+            <a:endParaRPr lang="en-US"/>
           </a:p>
         </p:txBody>
       </p:sp>

--- a/diagrams/Diagrams.pptx
+++ b/diagrams/Diagrams.pptx
@@ -515,7 +515,7 @@
           <a:p>
             <a:fld id="{19677C02-9FA9-F74D-89C2-FBA48B1B8578}" type="datetimeFigureOut">
               <a:rPr lang="en-US" smtClean="0"/>
-              <a:t>2/27/24</a:t>
+              <a:t>2/28/24</a:t>
             </a:fld>
             <a:endParaRPr lang="en-US"/>
           </a:p>
@@ -713,7 +713,7 @@
           <a:p>
             <a:fld id="{19677C02-9FA9-F74D-89C2-FBA48B1B8578}" type="datetimeFigureOut">
               <a:rPr lang="en-US" smtClean="0"/>
-              <a:t>2/27/24</a:t>
+              <a:t>2/28/24</a:t>
             </a:fld>
             <a:endParaRPr lang="en-US"/>
           </a:p>
@@ -921,7 +921,7 @@
           <a:p>
             <a:fld id="{19677C02-9FA9-F74D-89C2-FBA48B1B8578}" type="datetimeFigureOut">
               <a:rPr lang="en-US" smtClean="0"/>
-              <a:t>2/27/24</a:t>
+              <a:t>2/28/24</a:t>
             </a:fld>
             <a:endParaRPr lang="en-US"/>
           </a:p>
@@ -1119,7 +1119,7 @@
           <a:p>
             <a:fld id="{19677C02-9FA9-F74D-89C2-FBA48B1B8578}" type="datetimeFigureOut">
               <a:rPr lang="en-US" smtClean="0"/>
-              <a:t>2/27/24</a:t>
+              <a:t>2/28/24</a:t>
             </a:fld>
             <a:endParaRPr lang="en-US"/>
           </a:p>
@@ -1394,7 +1394,7 @@
           <a:p>
             <a:fld id="{19677C02-9FA9-F74D-89C2-FBA48B1B8578}" type="datetimeFigureOut">
               <a:rPr lang="en-US" smtClean="0"/>
-              <a:t>2/27/24</a:t>
+              <a:t>2/28/24</a:t>
             </a:fld>
             <a:endParaRPr lang="en-US"/>
           </a:p>
@@ -1659,7 +1659,7 @@
           <a:p>
             <a:fld id="{19677C02-9FA9-F74D-89C2-FBA48B1B8578}" type="datetimeFigureOut">
               <a:rPr lang="en-US" smtClean="0"/>
-              <a:t>2/27/24</a:t>
+              <a:t>2/28/24</a:t>
             </a:fld>
             <a:endParaRPr lang="en-US"/>
           </a:p>
@@ -2071,7 +2071,7 @@
           <a:p>
             <a:fld id="{19677C02-9FA9-F74D-89C2-FBA48B1B8578}" type="datetimeFigureOut">
               <a:rPr lang="en-US" smtClean="0"/>
-              <a:t>2/27/24</a:t>
+              <a:t>2/28/24</a:t>
             </a:fld>
             <a:endParaRPr lang="en-US"/>
           </a:p>
@@ -2212,7 +2212,7 @@
           <a:p>
             <a:fld id="{19677C02-9FA9-F74D-89C2-FBA48B1B8578}" type="datetimeFigureOut">
               <a:rPr lang="en-US" smtClean="0"/>
-              <a:t>2/27/24</a:t>
+              <a:t>2/28/24</a:t>
             </a:fld>
             <a:endParaRPr lang="en-US"/>
           </a:p>
@@ -2325,7 +2325,7 @@
           <a:p>
             <a:fld id="{19677C02-9FA9-F74D-89C2-FBA48B1B8578}" type="datetimeFigureOut">
               <a:rPr lang="en-US" smtClean="0"/>
-              <a:t>2/27/24</a:t>
+              <a:t>2/28/24</a:t>
             </a:fld>
             <a:endParaRPr lang="en-US"/>
           </a:p>
@@ -2636,7 +2636,7 @@
           <a:p>
             <a:fld id="{19677C02-9FA9-F74D-89C2-FBA48B1B8578}" type="datetimeFigureOut">
               <a:rPr lang="en-US" smtClean="0"/>
-              <a:t>2/27/24</a:t>
+              <a:t>2/28/24</a:t>
             </a:fld>
             <a:endParaRPr lang="en-US"/>
           </a:p>
@@ -2924,7 +2924,7 @@
           <a:p>
             <a:fld id="{19677C02-9FA9-F74D-89C2-FBA48B1B8578}" type="datetimeFigureOut">
               <a:rPr lang="en-US" smtClean="0"/>
-              <a:t>2/27/24</a:t>
+              <a:t>2/28/24</a:t>
             </a:fld>
             <a:endParaRPr lang="en-US"/>
           </a:p>
@@ -3165,7 +3165,7 @@
           <a:p>
             <a:fld id="{19677C02-9FA9-F74D-89C2-FBA48B1B8578}" type="datetimeFigureOut">
               <a:rPr lang="en-US" smtClean="0"/>
-              <a:t>2/27/24</a:t>
+              <a:t>2/28/24</a:t>
             </a:fld>
             <a:endParaRPr lang="en-US"/>
           </a:p>
@@ -5160,7 +5160,7 @@
           <p:nvPr>
             <p:extLst>
               <p:ext uri="{D42A27DB-BD31-4B8C-83A1-F6EECF244321}">
-                <p14:modId xmlns:p14="http://schemas.microsoft.com/office/powerpoint/2010/main" val="533687011"/>
+                <p14:modId xmlns:p14="http://schemas.microsoft.com/office/powerpoint/2010/main" val="2615094028"/>
               </p:ext>
             </p:extLst>
           </p:nvPr>
@@ -5667,14 +5667,14 @@
           <p:nvPr>
             <p:extLst>
               <p:ext uri="{D42A27DB-BD31-4B8C-83A1-F6EECF244321}">
-                <p14:modId xmlns:p14="http://schemas.microsoft.com/office/powerpoint/2010/main" val="2622061748"/>
+                <p14:modId xmlns:p14="http://schemas.microsoft.com/office/powerpoint/2010/main" val="3627424030"/>
               </p:ext>
             </p:extLst>
           </p:nvPr>
         </p:nvGraphicFramePr>
         <p:xfrm>
-          <a:off x="1043008" y="465666"/>
-          <a:ext cx="4536966" cy="2595880"/>
+          <a:off x="1043008" y="117571"/>
+          <a:ext cx="4536966" cy="2966720"/>
         </p:xfrm>
         <a:graphic>
           <a:graphicData uri="http://schemas.openxmlformats.org/drawingml/2006/table">
@@ -6890,6 +6890,181 @@
                   </a:ext>
                 </a:extLst>
               </a:tr>
+              <a:tr h="370840">
+                <a:tc>
+                  <a:txBody>
+                    <a:bodyPr/>
+                    <a:lstStyle/>
+                    <a:p>
+                      <a:r>
+                        <a:rPr lang="en-US" dirty="0">
+                          <a:solidFill>
+                            <a:schemeClr val="tx1"/>
+                          </a:solidFill>
+                        </a:rPr>
+                        <a:t>int</a:t>
+                      </a:r>
+                    </a:p>
+                  </a:txBody>
+                  <a:tcPr>
+                    <a:lnL w="12700" cap="flat" cmpd="sng" algn="ctr">
+                      <a:solidFill>
+                        <a:schemeClr val="tx1"/>
+                      </a:solidFill>
+                      <a:prstDash val="solid"/>
+                      <a:round/>
+                      <a:headEnd type="none" w="med" len="med"/>
+                      <a:tailEnd type="none" w="med" len="med"/>
+                    </a:lnL>
+                    <a:lnR w="12700" cap="flat" cmpd="sng" algn="ctr">
+                      <a:solidFill>
+                        <a:schemeClr val="tx1"/>
+                      </a:solidFill>
+                      <a:prstDash val="solid"/>
+                      <a:round/>
+                      <a:headEnd type="none" w="med" len="med"/>
+                      <a:tailEnd type="none" w="med" len="med"/>
+                    </a:lnR>
+                    <a:lnT w="12700" cap="flat" cmpd="sng" algn="ctr">
+                      <a:solidFill>
+                        <a:schemeClr val="tx1"/>
+                      </a:solidFill>
+                      <a:prstDash val="solid"/>
+                      <a:round/>
+                      <a:headEnd type="none" w="med" len="med"/>
+                      <a:tailEnd type="none" w="med" len="med"/>
+                    </a:lnT>
+                    <a:lnB w="12700" cap="flat" cmpd="sng" algn="ctr">
+                      <a:solidFill>
+                        <a:schemeClr val="tx1"/>
+                      </a:solidFill>
+                      <a:prstDash val="solid"/>
+                      <a:round/>
+                      <a:headEnd type="none" w="med" len="med"/>
+                      <a:tailEnd type="none" w="med" len="med"/>
+                    </a:lnB>
+                    <a:solidFill>
+                      <a:srgbClr val="F2F2F2"/>
+                    </a:solidFill>
+                  </a:tcPr>
+                </a:tc>
+                <a:tc>
+                  <a:txBody>
+                    <a:bodyPr/>
+                    <a:lstStyle/>
+                    <a:p>
+                      <a:r>
+                        <a:rPr lang="en-US" dirty="0">
+                          <a:solidFill>
+                            <a:schemeClr val="tx1"/>
+                          </a:solidFill>
+                        </a:rPr>
+                        <a:t>bpm</a:t>
+                      </a:r>
+                    </a:p>
+                  </a:txBody>
+                  <a:tcPr>
+                    <a:lnL w="12700" cap="flat" cmpd="sng" algn="ctr">
+                      <a:solidFill>
+                        <a:schemeClr val="tx1"/>
+                      </a:solidFill>
+                      <a:prstDash val="solid"/>
+                      <a:round/>
+                      <a:headEnd type="none" w="med" len="med"/>
+                      <a:tailEnd type="none" w="med" len="med"/>
+                    </a:lnL>
+                    <a:lnR w="12700" cap="flat" cmpd="sng" algn="ctr">
+                      <a:solidFill>
+                        <a:schemeClr val="tx1"/>
+                      </a:solidFill>
+                      <a:prstDash val="solid"/>
+                      <a:round/>
+                      <a:headEnd type="none" w="med" len="med"/>
+                      <a:tailEnd type="none" w="med" len="med"/>
+                    </a:lnR>
+                    <a:lnT w="12700" cap="flat" cmpd="sng" algn="ctr">
+                      <a:solidFill>
+                        <a:schemeClr val="tx1"/>
+                      </a:solidFill>
+                      <a:prstDash val="solid"/>
+                      <a:round/>
+                      <a:headEnd type="none" w="med" len="med"/>
+                      <a:tailEnd type="none" w="med" len="med"/>
+                    </a:lnT>
+                    <a:lnB w="12700" cap="flat" cmpd="sng" algn="ctr">
+                      <a:solidFill>
+                        <a:schemeClr val="tx1"/>
+                      </a:solidFill>
+                      <a:prstDash val="solid"/>
+                      <a:round/>
+                      <a:headEnd type="none" w="med" len="med"/>
+                      <a:tailEnd type="none" w="med" len="med"/>
+                    </a:lnB>
+                    <a:solidFill>
+                      <a:srgbClr val="F2F2F2"/>
+                    </a:solidFill>
+                  </a:tcPr>
+                </a:tc>
+                <a:tc>
+                  <a:txBody>
+                    <a:bodyPr/>
+                    <a:lstStyle/>
+                    <a:p>
+                      <a:endParaRPr lang="en-US" dirty="0">
+                        <a:solidFill>
+                          <a:schemeClr val="tx1"/>
+                        </a:solidFill>
+                      </a:endParaRPr>
+                    </a:p>
+                  </a:txBody>
+                  <a:tcPr>
+                    <a:lnL w="12700" cap="flat" cmpd="sng" algn="ctr">
+                      <a:solidFill>
+                        <a:schemeClr val="tx1"/>
+                      </a:solidFill>
+                      <a:prstDash val="solid"/>
+                      <a:round/>
+                      <a:headEnd type="none" w="med" len="med"/>
+                      <a:tailEnd type="none" w="med" len="med"/>
+                    </a:lnL>
+                    <a:lnR w="12700" cap="flat" cmpd="sng" algn="ctr">
+                      <a:solidFill>
+                        <a:schemeClr val="tx1"/>
+                      </a:solidFill>
+                      <a:prstDash val="solid"/>
+                      <a:round/>
+                      <a:headEnd type="none" w="med" len="med"/>
+                      <a:tailEnd type="none" w="med" len="med"/>
+                    </a:lnR>
+                    <a:lnT w="12700" cap="flat" cmpd="sng" algn="ctr">
+                      <a:solidFill>
+                        <a:schemeClr val="tx1"/>
+                      </a:solidFill>
+                      <a:prstDash val="solid"/>
+                      <a:round/>
+                      <a:headEnd type="none" w="med" len="med"/>
+                      <a:tailEnd type="none" w="med" len="med"/>
+                    </a:lnT>
+                    <a:lnB w="12700" cap="flat" cmpd="sng" algn="ctr">
+                      <a:solidFill>
+                        <a:schemeClr val="tx1"/>
+                      </a:solidFill>
+                      <a:prstDash val="solid"/>
+                      <a:round/>
+                      <a:headEnd type="none" w="med" len="med"/>
+                      <a:tailEnd type="none" w="med" len="med"/>
+                    </a:lnB>
+                    <a:solidFill>
+                      <a:srgbClr val="F2F2F2"/>
+                    </a:solidFill>
+                  </a:tcPr>
+                </a:tc>
+                <a:extLst>
+                  <a:ext uri="{0D108BD9-81ED-4DB2-BD59-A6C34878D82A}">
+                    <a16:rowId xmlns:a16="http://schemas.microsoft.com/office/drawing/2014/main" val="524414346"/>
+                  </a:ext>
+                </a:extLst>
+              </a:tr>
             </a:tbl>
           </a:graphicData>
         </a:graphic>
@@ -6909,7 +7084,7 @@
           <p:nvPr>
             <p:extLst>
               <p:ext uri="{D42A27DB-BD31-4B8C-83A1-F6EECF244321}">
-                <p14:modId xmlns:p14="http://schemas.microsoft.com/office/powerpoint/2010/main" val="3790173554"/>
+                <p14:modId xmlns:p14="http://schemas.microsoft.com/office/powerpoint/2010/main" val="929946203"/>
               </p:ext>
             </p:extLst>
           </p:nvPr>
@@ -7430,8 +7605,8 @@
         </p:nvCxnSpPr>
         <p:spPr>
           <a:xfrm flipH="1">
-            <a:off x="3306409" y="3061546"/>
-            <a:ext cx="5082" cy="1490848"/>
+            <a:off x="3306409" y="3084291"/>
+            <a:ext cx="5082" cy="1468103"/>
           </a:xfrm>
           <a:prstGeom prst="line">
             <a:avLst/>
@@ -8516,7 +8691,7 @@
           <p:nvPr>
             <p:extLst>
               <p:ext uri="{D42A27DB-BD31-4B8C-83A1-F6EECF244321}">
-                <p14:modId xmlns:p14="http://schemas.microsoft.com/office/powerpoint/2010/main" val="974684179"/>
+                <p14:modId xmlns:p14="http://schemas.microsoft.com/office/powerpoint/2010/main" val="1606828861"/>
               </p:ext>
             </p:extLst>
           </p:nvPr>
@@ -9212,7 +9387,7 @@
           <p:nvPr>
             <p:extLst>
               <p:ext uri="{D42A27DB-BD31-4B8C-83A1-F6EECF244321}">
-                <p14:modId xmlns:p14="http://schemas.microsoft.com/office/powerpoint/2010/main" val="665120291"/>
+                <p14:modId xmlns:p14="http://schemas.microsoft.com/office/powerpoint/2010/main" val="1729869275"/>
               </p:ext>
             </p:extLst>
           </p:nvPr>
